--- a/etc/pic.pptx
+++ b/etc/pic.pptx
@@ -4,8 +4,12 @@
   <p:sldMasterIdLst>
     <p:sldMasterId id="2147483648" r:id="rId1"/>
   </p:sldMasterIdLst>
+  <p:notesMasterIdLst>
+    <p:notesMasterId r:id="rId4"/>
+  </p:notesMasterIdLst>
   <p:sldIdLst>
     <p:sldId id="256" r:id="rId2"/>
+    <p:sldId id="257" r:id="rId3"/>
   </p:sldIdLst>
   <p:sldSz cx="12192000" cy="6858000"/>
   <p:notesSz cx="6858000" cy="9144000"/>
@@ -112,6 +116,356 @@
 </p:presentation>
 </file>
 
+<file path=ppt/notesMasters/notesMaster1.xml><?xml version="1.0" encoding="utf-8"?>
+<p:notesMaster xmlns:a="http://schemas.openxmlformats.org/drawingml/2006/main" xmlns:r="http://schemas.openxmlformats.org/officeDocument/2006/relationships" xmlns:p="http://schemas.openxmlformats.org/presentationml/2006/main">
+  <p:cSld>
+    <p:bg>
+      <p:bgRef idx="1001">
+        <a:schemeClr val="bg1"/>
+      </p:bgRef>
+    </p:bg>
+    <p:spTree>
+      <p:nvGrpSpPr>
+        <p:cNvPr id="1" name=""/>
+        <p:cNvGrpSpPr/>
+        <p:nvPr/>
+      </p:nvGrpSpPr>
+      <p:grpSpPr>
+        <a:xfrm>
+          <a:off x="0" y="0"/>
+          <a:ext cx="0" cy="0"/>
+          <a:chOff x="0" y="0"/>
+          <a:chExt cx="0" cy="0"/>
+        </a:xfrm>
+      </p:grpSpPr>
+      <p:sp>
+        <p:nvSpPr>
+          <p:cNvPr id="2" name="머리글 개체 틀 1"/>
+          <p:cNvSpPr>
+            <a:spLocks noGrp="1"/>
+          </p:cNvSpPr>
+          <p:nvPr>
+            <p:ph type="hdr" sz="quarter"/>
+          </p:nvPr>
+        </p:nvSpPr>
+        <p:spPr>
+          <a:xfrm>
+            <a:off x="0" y="0"/>
+            <a:ext cx="2971800" cy="458788"/>
+          </a:xfrm>
+          <a:prstGeom prst="rect">
+            <a:avLst/>
+          </a:prstGeom>
+        </p:spPr>
+        <p:txBody>
+          <a:bodyPr vert="horz" lIns="91440" tIns="45720" rIns="91440" bIns="45720" rtlCol="0"/>
+          <a:lstStyle>
+            <a:lvl1pPr algn="l">
+              <a:defRPr sz="1200"/>
+            </a:lvl1pPr>
+          </a:lstStyle>
+          <a:p>
+            <a:endParaRPr kumimoji="1" lang="ko-KR" altLang="en-US"/>
+          </a:p>
+        </p:txBody>
+      </p:sp>
+      <p:sp>
+        <p:nvSpPr>
+          <p:cNvPr id="3" name="날짜 개체 틀 2"/>
+          <p:cNvSpPr>
+            <a:spLocks noGrp="1"/>
+          </p:cNvSpPr>
+          <p:nvPr>
+            <p:ph type="dt" idx="1"/>
+          </p:nvPr>
+        </p:nvSpPr>
+        <p:spPr>
+          <a:xfrm>
+            <a:off x="3884613" y="0"/>
+            <a:ext cx="2971800" cy="458788"/>
+          </a:xfrm>
+          <a:prstGeom prst="rect">
+            <a:avLst/>
+          </a:prstGeom>
+        </p:spPr>
+        <p:txBody>
+          <a:bodyPr vert="horz" lIns="91440" tIns="45720" rIns="91440" bIns="45720" rtlCol="0"/>
+          <a:lstStyle>
+            <a:lvl1pPr algn="r">
+              <a:defRPr sz="1200"/>
+            </a:lvl1pPr>
+          </a:lstStyle>
+          <a:p>
+            <a:fld id="{FCE1B6AD-6303-444C-9C52-BC8C2CF7134E}" type="datetimeFigureOut">
+              <a:rPr kumimoji="1" lang="ko-KR" altLang="en-US" smtClean="0"/>
+              <a:t>2017. 3. 24.</a:t>
+            </a:fld>
+            <a:endParaRPr kumimoji="1" lang="ko-KR" altLang="en-US"/>
+          </a:p>
+        </p:txBody>
+      </p:sp>
+      <p:sp>
+        <p:nvSpPr>
+          <p:cNvPr id="4" name="슬라이드 이미지 개체 틀 3"/>
+          <p:cNvSpPr>
+            <a:spLocks noGrp="1" noRot="1" noChangeAspect="1"/>
+          </p:cNvSpPr>
+          <p:nvPr>
+            <p:ph type="sldImg" idx="2"/>
+          </p:nvPr>
+        </p:nvSpPr>
+        <p:spPr>
+          <a:xfrm>
+            <a:off x="685800" y="1143000"/>
+            <a:ext cx="5486400" cy="3086100"/>
+          </a:xfrm>
+          <a:prstGeom prst="rect">
+            <a:avLst/>
+          </a:prstGeom>
+          <a:noFill/>
+          <a:ln w="12700">
+            <a:solidFill>
+              <a:prstClr val="black"/>
+            </a:solidFill>
+          </a:ln>
+        </p:spPr>
+        <p:txBody>
+          <a:bodyPr vert="horz" lIns="91440" tIns="45720" rIns="91440" bIns="45720" rtlCol="0" anchor="ctr"/>
+          <a:lstStyle/>
+          <a:p>
+            <a:endParaRPr lang="ko-KR" altLang="en-US"/>
+          </a:p>
+        </p:txBody>
+      </p:sp>
+      <p:sp>
+        <p:nvSpPr>
+          <p:cNvPr id="5" name="슬라이드 노트 개체 틀 4"/>
+          <p:cNvSpPr>
+            <a:spLocks noGrp="1"/>
+          </p:cNvSpPr>
+          <p:nvPr>
+            <p:ph type="body" sz="quarter" idx="3"/>
+          </p:nvPr>
+        </p:nvSpPr>
+        <p:spPr>
+          <a:xfrm>
+            <a:off x="685800" y="4400550"/>
+            <a:ext cx="5486400" cy="3600450"/>
+          </a:xfrm>
+          <a:prstGeom prst="rect">
+            <a:avLst/>
+          </a:prstGeom>
+        </p:spPr>
+        <p:txBody>
+          <a:bodyPr vert="horz" lIns="91440" tIns="45720" rIns="91440" bIns="45720" rtlCol="0"/>
+          <a:lstStyle/>
+          <a:p>
+            <a:pPr lvl="0"/>
+            <a:r>
+              <a:rPr kumimoji="1" lang="ko-KR" altLang="en-US" smtClean="0"/>
+              <a:t>마스터 텍스트 스타일을 편집하려면 클릭</a:t>
+            </a:r>
+          </a:p>
+          <a:p>
+            <a:pPr lvl="1"/>
+            <a:r>
+              <a:rPr kumimoji="1" lang="ko-KR" altLang="en-US" smtClean="0"/>
+              <a:t>두 번째 수준</a:t>
+            </a:r>
+          </a:p>
+          <a:p>
+            <a:pPr lvl="2"/>
+            <a:r>
+              <a:rPr kumimoji="1" lang="ko-KR" altLang="en-US" smtClean="0"/>
+              <a:t>세 번째 수준</a:t>
+            </a:r>
+          </a:p>
+          <a:p>
+            <a:pPr lvl="3"/>
+            <a:r>
+              <a:rPr kumimoji="1" lang="ko-KR" altLang="en-US" smtClean="0"/>
+              <a:t>네 번째 수준</a:t>
+            </a:r>
+          </a:p>
+          <a:p>
+            <a:pPr lvl="4"/>
+            <a:r>
+              <a:rPr kumimoji="1" lang="ko-KR" altLang="en-US" smtClean="0"/>
+              <a:t>다섯 번째 수준</a:t>
+            </a:r>
+            <a:endParaRPr kumimoji="1" lang="ko-KR" altLang="en-US"/>
+          </a:p>
+        </p:txBody>
+      </p:sp>
+      <p:sp>
+        <p:nvSpPr>
+          <p:cNvPr id="6" name="바닥글 개체 틀 5"/>
+          <p:cNvSpPr>
+            <a:spLocks noGrp="1"/>
+          </p:cNvSpPr>
+          <p:nvPr>
+            <p:ph type="ftr" sz="quarter" idx="4"/>
+          </p:nvPr>
+        </p:nvSpPr>
+        <p:spPr>
+          <a:xfrm>
+            <a:off x="0" y="8685213"/>
+            <a:ext cx="2971800" cy="458787"/>
+          </a:xfrm>
+          <a:prstGeom prst="rect">
+            <a:avLst/>
+          </a:prstGeom>
+        </p:spPr>
+        <p:txBody>
+          <a:bodyPr vert="horz" lIns="91440" tIns="45720" rIns="91440" bIns="45720" rtlCol="0" anchor="b"/>
+          <a:lstStyle>
+            <a:lvl1pPr algn="l">
+              <a:defRPr sz="1200"/>
+            </a:lvl1pPr>
+          </a:lstStyle>
+          <a:p>
+            <a:endParaRPr kumimoji="1" lang="ko-KR" altLang="en-US"/>
+          </a:p>
+        </p:txBody>
+      </p:sp>
+      <p:sp>
+        <p:nvSpPr>
+          <p:cNvPr id="7" name="슬라이드 번호 개체 틀 6"/>
+          <p:cNvSpPr>
+            <a:spLocks noGrp="1"/>
+          </p:cNvSpPr>
+          <p:nvPr>
+            <p:ph type="sldNum" sz="quarter" idx="5"/>
+          </p:nvPr>
+        </p:nvSpPr>
+        <p:spPr>
+          <a:xfrm>
+            <a:off x="3884613" y="8685213"/>
+            <a:ext cx="2971800" cy="458787"/>
+          </a:xfrm>
+          <a:prstGeom prst="rect">
+            <a:avLst/>
+          </a:prstGeom>
+        </p:spPr>
+        <p:txBody>
+          <a:bodyPr vert="horz" lIns="91440" tIns="45720" rIns="91440" bIns="45720" rtlCol="0" anchor="b"/>
+          <a:lstStyle>
+            <a:lvl1pPr algn="r">
+              <a:defRPr sz="1200"/>
+            </a:lvl1pPr>
+          </a:lstStyle>
+          <a:p>
+            <a:fld id="{C9ECC23B-0F1F-A441-A4A1-F3EE6334DB15}" type="slidenum">
+              <a:rPr kumimoji="1" lang="ko-KR" altLang="en-US" smtClean="0"/>
+              <a:t>‹#›</a:t>
+            </a:fld>
+            <a:endParaRPr kumimoji="1" lang="ko-KR" altLang="en-US"/>
+          </a:p>
+        </p:txBody>
+      </p:sp>
+    </p:spTree>
+    <p:extLst>
+      <p:ext uri="{BB962C8B-B14F-4D97-AF65-F5344CB8AC3E}">
+        <p14:creationId xmlns:p14="http://schemas.microsoft.com/office/powerpoint/2010/main" val="436119604"/>
+      </p:ext>
+    </p:extLst>
+  </p:cSld>
+  <p:clrMap bg1="lt1" tx1="dk1" bg2="lt2" tx2="dk2" accent1="accent1" accent2="accent2" accent3="accent3" accent4="accent4" accent5="accent5" accent6="accent6" hlink="hlink" folHlink="folHlink"/>
+  <p:notesStyle>
+    <a:lvl1pPr marL="0" algn="l" defTabSz="914400" rtl="0" eaLnBrk="1" latinLnBrk="1" hangingPunct="1">
+      <a:defRPr sz="1200" kern="1200">
+        <a:solidFill>
+          <a:schemeClr val="tx1"/>
+        </a:solidFill>
+        <a:latin typeface="+mn-lt"/>
+        <a:ea typeface="+mn-ea"/>
+        <a:cs typeface="+mn-cs"/>
+      </a:defRPr>
+    </a:lvl1pPr>
+    <a:lvl2pPr marL="457200" algn="l" defTabSz="914400" rtl="0" eaLnBrk="1" latinLnBrk="1" hangingPunct="1">
+      <a:defRPr sz="1200" kern="1200">
+        <a:solidFill>
+          <a:schemeClr val="tx1"/>
+        </a:solidFill>
+        <a:latin typeface="+mn-lt"/>
+        <a:ea typeface="+mn-ea"/>
+        <a:cs typeface="+mn-cs"/>
+      </a:defRPr>
+    </a:lvl2pPr>
+    <a:lvl3pPr marL="914400" algn="l" defTabSz="914400" rtl="0" eaLnBrk="1" latinLnBrk="1" hangingPunct="1">
+      <a:defRPr sz="1200" kern="1200">
+        <a:solidFill>
+          <a:schemeClr val="tx1"/>
+        </a:solidFill>
+        <a:latin typeface="+mn-lt"/>
+        <a:ea typeface="+mn-ea"/>
+        <a:cs typeface="+mn-cs"/>
+      </a:defRPr>
+    </a:lvl3pPr>
+    <a:lvl4pPr marL="1371600" algn="l" defTabSz="914400" rtl="0" eaLnBrk="1" latinLnBrk="1" hangingPunct="1">
+      <a:defRPr sz="1200" kern="1200">
+        <a:solidFill>
+          <a:schemeClr val="tx1"/>
+        </a:solidFill>
+        <a:latin typeface="+mn-lt"/>
+        <a:ea typeface="+mn-ea"/>
+        <a:cs typeface="+mn-cs"/>
+      </a:defRPr>
+    </a:lvl4pPr>
+    <a:lvl5pPr marL="1828800" algn="l" defTabSz="914400" rtl="0" eaLnBrk="1" latinLnBrk="1" hangingPunct="1">
+      <a:defRPr sz="1200" kern="1200">
+        <a:solidFill>
+          <a:schemeClr val="tx1"/>
+        </a:solidFill>
+        <a:latin typeface="+mn-lt"/>
+        <a:ea typeface="+mn-ea"/>
+        <a:cs typeface="+mn-cs"/>
+      </a:defRPr>
+    </a:lvl5pPr>
+    <a:lvl6pPr marL="2286000" algn="l" defTabSz="914400" rtl="0" eaLnBrk="1" latinLnBrk="1" hangingPunct="1">
+      <a:defRPr sz="1200" kern="1200">
+        <a:solidFill>
+          <a:schemeClr val="tx1"/>
+        </a:solidFill>
+        <a:latin typeface="+mn-lt"/>
+        <a:ea typeface="+mn-ea"/>
+        <a:cs typeface="+mn-cs"/>
+      </a:defRPr>
+    </a:lvl6pPr>
+    <a:lvl7pPr marL="2743200" algn="l" defTabSz="914400" rtl="0" eaLnBrk="1" latinLnBrk="1" hangingPunct="1">
+      <a:defRPr sz="1200" kern="1200">
+        <a:solidFill>
+          <a:schemeClr val="tx1"/>
+        </a:solidFill>
+        <a:latin typeface="+mn-lt"/>
+        <a:ea typeface="+mn-ea"/>
+        <a:cs typeface="+mn-cs"/>
+      </a:defRPr>
+    </a:lvl7pPr>
+    <a:lvl8pPr marL="3200400" algn="l" defTabSz="914400" rtl="0" eaLnBrk="1" latinLnBrk="1" hangingPunct="1">
+      <a:defRPr sz="1200" kern="1200">
+        <a:solidFill>
+          <a:schemeClr val="tx1"/>
+        </a:solidFill>
+        <a:latin typeface="+mn-lt"/>
+        <a:ea typeface="+mn-ea"/>
+        <a:cs typeface="+mn-cs"/>
+      </a:defRPr>
+    </a:lvl8pPr>
+    <a:lvl9pPr marL="3657600" algn="l" defTabSz="914400" rtl="0" eaLnBrk="1" latinLnBrk="1" hangingPunct="1">
+      <a:defRPr sz="1200" kern="1200">
+        <a:solidFill>
+          <a:schemeClr val="tx1"/>
+        </a:solidFill>
+        <a:latin typeface="+mn-lt"/>
+        <a:ea typeface="+mn-ea"/>
+        <a:cs typeface="+mn-cs"/>
+      </a:defRPr>
+    </a:lvl9pPr>
+  </p:notesStyle>
+</p:notesMaster>
+</file>
+
 <file path=ppt/slideLayouts/slideLayout1.xml><?xml version="1.0" encoding="utf-8"?>
 <p:sldLayout xmlns:a="http://schemas.openxmlformats.org/drawingml/2006/main" xmlns:r="http://schemas.openxmlformats.org/officeDocument/2006/relationships" xmlns:p="http://schemas.openxmlformats.org/presentationml/2006/main" type="title" preserve="1">
   <p:cSld name="제목 슬라이드">
@@ -243,7 +597,7 @@
           <a:p>
             <a:fld id="{1C635CAC-6453-3E48-9AD4-4AF16892EDFD}" type="datetimeFigureOut">
               <a:rPr kumimoji="1" lang="ko-KR" altLang="en-US" smtClean="0"/>
-              <a:t>2017. 3. 6.</a:t>
+              <a:t>2017. 3. 24.</a:t>
             </a:fld>
             <a:endParaRPr kumimoji="1" lang="ko-KR" altLang="en-US"/>
           </a:p>
@@ -413,7 +767,7 @@
           <a:p>
             <a:fld id="{1C635CAC-6453-3E48-9AD4-4AF16892EDFD}" type="datetimeFigureOut">
               <a:rPr kumimoji="1" lang="ko-KR" altLang="en-US" smtClean="0"/>
-              <a:t>2017. 3. 6.</a:t>
+              <a:t>2017. 3. 24.</a:t>
             </a:fld>
             <a:endParaRPr kumimoji="1" lang="ko-KR" altLang="en-US"/>
           </a:p>
@@ -593,7 +947,7 @@
           <a:p>
             <a:fld id="{1C635CAC-6453-3E48-9AD4-4AF16892EDFD}" type="datetimeFigureOut">
               <a:rPr kumimoji="1" lang="ko-KR" altLang="en-US" smtClean="0"/>
-              <a:t>2017. 3. 6.</a:t>
+              <a:t>2017. 3. 24.</a:t>
             </a:fld>
             <a:endParaRPr kumimoji="1" lang="ko-KR" altLang="en-US"/>
           </a:p>
@@ -763,7 +1117,7 @@
           <a:p>
             <a:fld id="{1C635CAC-6453-3E48-9AD4-4AF16892EDFD}" type="datetimeFigureOut">
               <a:rPr kumimoji="1" lang="ko-KR" altLang="en-US" smtClean="0"/>
-              <a:t>2017. 3. 6.</a:t>
+              <a:t>2017. 3. 24.</a:t>
             </a:fld>
             <a:endParaRPr kumimoji="1" lang="ko-KR" altLang="en-US"/>
           </a:p>
@@ -1009,7 +1363,7 @@
           <a:p>
             <a:fld id="{1C635CAC-6453-3E48-9AD4-4AF16892EDFD}" type="datetimeFigureOut">
               <a:rPr kumimoji="1" lang="ko-KR" altLang="en-US" smtClean="0"/>
-              <a:t>2017. 3. 6.</a:t>
+              <a:t>2017. 3. 24.</a:t>
             </a:fld>
             <a:endParaRPr kumimoji="1" lang="ko-KR" altLang="en-US"/>
           </a:p>
@@ -1241,7 +1595,7 @@
           <a:p>
             <a:fld id="{1C635CAC-6453-3E48-9AD4-4AF16892EDFD}" type="datetimeFigureOut">
               <a:rPr kumimoji="1" lang="ko-KR" altLang="en-US" smtClean="0"/>
-              <a:t>2017. 3. 6.</a:t>
+              <a:t>2017. 3. 24.</a:t>
             </a:fld>
             <a:endParaRPr kumimoji="1" lang="ko-KR" altLang="en-US"/>
           </a:p>
@@ -1608,7 +1962,7 @@
           <a:p>
             <a:fld id="{1C635CAC-6453-3E48-9AD4-4AF16892EDFD}" type="datetimeFigureOut">
               <a:rPr kumimoji="1" lang="ko-KR" altLang="en-US" smtClean="0"/>
-              <a:t>2017. 3. 6.</a:t>
+              <a:t>2017. 3. 24.</a:t>
             </a:fld>
             <a:endParaRPr kumimoji="1" lang="ko-KR" altLang="en-US"/>
           </a:p>
@@ -1726,7 +2080,7 @@
           <a:p>
             <a:fld id="{1C635CAC-6453-3E48-9AD4-4AF16892EDFD}" type="datetimeFigureOut">
               <a:rPr kumimoji="1" lang="ko-KR" altLang="en-US" smtClean="0"/>
-              <a:t>2017. 3. 6.</a:t>
+              <a:t>2017. 3. 24.</a:t>
             </a:fld>
             <a:endParaRPr kumimoji="1" lang="ko-KR" altLang="en-US"/>
           </a:p>
@@ -1821,7 +2175,7 @@
           <a:p>
             <a:fld id="{1C635CAC-6453-3E48-9AD4-4AF16892EDFD}" type="datetimeFigureOut">
               <a:rPr kumimoji="1" lang="ko-KR" altLang="en-US" smtClean="0"/>
-              <a:t>2017. 3. 6.</a:t>
+              <a:t>2017. 3. 24.</a:t>
             </a:fld>
             <a:endParaRPr kumimoji="1" lang="ko-KR" altLang="en-US"/>
           </a:p>
@@ -2098,7 +2452,7 @@
           <a:p>
             <a:fld id="{1C635CAC-6453-3E48-9AD4-4AF16892EDFD}" type="datetimeFigureOut">
               <a:rPr kumimoji="1" lang="ko-KR" altLang="en-US" smtClean="0"/>
-              <a:t>2017. 3. 6.</a:t>
+              <a:t>2017. 3. 24.</a:t>
             </a:fld>
             <a:endParaRPr kumimoji="1" lang="ko-KR" altLang="en-US"/>
           </a:p>
@@ -2351,7 +2705,7 @@
           <a:p>
             <a:fld id="{1C635CAC-6453-3E48-9AD4-4AF16892EDFD}" type="datetimeFigureOut">
               <a:rPr kumimoji="1" lang="ko-KR" altLang="en-US" smtClean="0"/>
-              <a:t>2017. 3. 6.</a:t>
+              <a:t>2017. 3. 24.</a:t>
             </a:fld>
             <a:endParaRPr kumimoji="1" lang="ko-KR" altLang="en-US"/>
           </a:p>
@@ -2564,7 +2918,7 @@
           <a:p>
             <a:fld id="{1C635CAC-6453-3E48-9AD4-4AF16892EDFD}" type="datetimeFigureOut">
               <a:rPr kumimoji="1" lang="ko-KR" altLang="en-US" smtClean="0"/>
-              <a:t>2017. 3. 6.</a:t>
+              <a:t>2017. 3. 24.</a:t>
             </a:fld>
             <a:endParaRPr kumimoji="1" lang="ko-KR" altLang="en-US"/>
           </a:p>
@@ -3781,6 +4135,746 @@
 </p:sld>
 </file>
 
+<file path=ppt/slides/slide2.xml><?xml version="1.0" encoding="utf-8"?>
+<p:sld xmlns:a="http://schemas.openxmlformats.org/drawingml/2006/main" xmlns:r="http://schemas.openxmlformats.org/officeDocument/2006/relationships" xmlns:p="http://schemas.openxmlformats.org/presentationml/2006/main">
+  <p:cSld>
+    <p:spTree>
+      <p:nvGrpSpPr>
+        <p:cNvPr id="1" name=""/>
+        <p:cNvGrpSpPr/>
+        <p:nvPr/>
+      </p:nvGrpSpPr>
+      <p:grpSpPr>
+        <a:xfrm>
+          <a:off x="0" y="0"/>
+          <a:ext cx="0" cy="0"/>
+          <a:chOff x="0" y="0"/>
+          <a:chExt cx="0" cy="0"/>
+        </a:xfrm>
+      </p:grpSpPr>
+      <p:sp>
+        <p:nvSpPr>
+          <p:cNvPr id="22" name="오른쪽 화살표[R] 21"/>
+          <p:cNvSpPr/>
+          <p:nvPr/>
+        </p:nvSpPr>
+        <p:spPr>
+          <a:xfrm>
+            <a:off x="3828411" y="3168758"/>
+            <a:ext cx="748644" cy="653823"/>
+          </a:xfrm>
+          <a:prstGeom prst="rightArrow">
+            <a:avLst/>
+          </a:prstGeom>
+        </p:spPr>
+        <p:style>
+          <a:lnRef idx="2">
+            <a:schemeClr val="accent1">
+              <a:shade val="50000"/>
+            </a:schemeClr>
+          </a:lnRef>
+          <a:fillRef idx="1">
+            <a:schemeClr val="accent1"/>
+          </a:fillRef>
+          <a:effectRef idx="0">
+            <a:schemeClr val="accent1"/>
+          </a:effectRef>
+          <a:fontRef idx="minor">
+            <a:schemeClr val="lt1"/>
+          </a:fontRef>
+        </p:style>
+        <p:txBody>
+          <a:bodyPr rtlCol="0" anchor="ctr"/>
+          <a:lstStyle/>
+          <a:p>
+            <a:pPr algn="ctr"/>
+            <a:endParaRPr kumimoji="1" lang="ko-KR" altLang="en-US"/>
+          </a:p>
+        </p:txBody>
+      </p:sp>
+      <p:grpSp>
+        <p:nvGrpSpPr>
+          <p:cNvPr id="26" name="그룹 25"/>
+          <p:cNvGrpSpPr/>
+          <p:nvPr/>
+        </p:nvGrpSpPr>
+        <p:grpSpPr>
+          <a:xfrm>
+            <a:off x="435890" y="1293656"/>
+            <a:ext cx="3138616" cy="3933448"/>
+            <a:chOff x="435890" y="1293656"/>
+            <a:chExt cx="3138616" cy="3933448"/>
+          </a:xfrm>
+        </p:grpSpPr>
+        <p:grpSp>
+          <p:nvGrpSpPr>
+            <p:cNvPr id="19" name="그룹 18"/>
+            <p:cNvGrpSpPr/>
+            <p:nvPr/>
+          </p:nvGrpSpPr>
+          <p:grpSpPr>
+            <a:xfrm>
+              <a:off x="435890" y="1664097"/>
+              <a:ext cx="3138616" cy="3563007"/>
+              <a:chOff x="989540" y="847857"/>
+              <a:chExt cx="3138616" cy="3563007"/>
+            </a:xfrm>
+          </p:grpSpPr>
+          <p:sp>
+            <p:nvSpPr>
+              <p:cNvPr id="4" name="모서리가 둥근 직사각형 3"/>
+              <p:cNvSpPr/>
+              <p:nvPr/>
+            </p:nvSpPr>
+            <p:spPr>
+              <a:xfrm>
+                <a:off x="1639122" y="1393509"/>
+                <a:ext cx="1839452" cy="862389"/>
+              </a:xfrm>
+              <a:prstGeom prst="roundRect">
+                <a:avLst/>
+              </a:prstGeom>
+            </p:spPr>
+            <p:style>
+              <a:lnRef idx="2">
+                <a:schemeClr val="accent1">
+                  <a:shade val="50000"/>
+                </a:schemeClr>
+              </a:lnRef>
+              <a:fillRef idx="1">
+                <a:schemeClr val="accent1"/>
+              </a:fillRef>
+              <a:effectRef idx="0">
+                <a:schemeClr val="accent1"/>
+              </a:effectRef>
+              <a:fontRef idx="minor">
+                <a:schemeClr val="lt1"/>
+              </a:fontRef>
+            </p:style>
+            <p:txBody>
+              <a:bodyPr rtlCol="0" anchor="ctr"/>
+              <a:lstStyle/>
+              <a:p>
+                <a:pPr algn="ctr"/>
+                <a:r>
+                  <a:rPr kumimoji="1" lang="en-US" altLang="ko-KR" dirty="0" smtClean="0"/>
+                  <a:t>Raw Data</a:t>
+                </a:r>
+                <a:endParaRPr kumimoji="1" lang="ko-KR" altLang="en-US" dirty="0"/>
+              </a:p>
+            </p:txBody>
+          </p:sp>
+          <p:sp>
+            <p:nvSpPr>
+              <p:cNvPr id="5" name="모서리가 둥근 직사각형 4"/>
+              <p:cNvSpPr/>
+              <p:nvPr/>
+            </p:nvSpPr>
+            <p:spPr>
+              <a:xfrm>
+                <a:off x="1576486" y="3046862"/>
+                <a:ext cx="1844631" cy="847221"/>
+              </a:xfrm>
+              <a:prstGeom prst="roundRect">
+                <a:avLst/>
+              </a:prstGeom>
+            </p:spPr>
+            <p:style>
+              <a:lnRef idx="2">
+                <a:schemeClr val="accent1">
+                  <a:shade val="50000"/>
+                </a:schemeClr>
+              </a:lnRef>
+              <a:fillRef idx="1">
+                <a:schemeClr val="accent1"/>
+              </a:fillRef>
+              <a:effectRef idx="0">
+                <a:schemeClr val="accent1"/>
+              </a:effectRef>
+              <a:fontRef idx="minor">
+                <a:schemeClr val="lt1"/>
+              </a:fontRef>
+            </p:style>
+            <p:txBody>
+              <a:bodyPr rtlCol="0" anchor="ctr"/>
+              <a:lstStyle/>
+              <a:p>
+                <a:pPr algn="ctr"/>
+                <a:r>
+                  <a:rPr kumimoji="1" lang="en-US" altLang="ko-KR" dirty="0" smtClean="0"/>
+                  <a:t>Pre-processed Data</a:t>
+                </a:r>
+                <a:endParaRPr kumimoji="1" lang="ko-KR" altLang="en-US" dirty="0"/>
+              </a:p>
+            </p:txBody>
+          </p:sp>
+          <p:sp>
+            <p:nvSpPr>
+              <p:cNvPr id="6" name="직사각형 5"/>
+              <p:cNvSpPr/>
+              <p:nvPr/>
+            </p:nvSpPr>
+            <p:spPr>
+              <a:xfrm>
+                <a:off x="989540" y="847857"/>
+                <a:ext cx="3138616" cy="3563007"/>
+              </a:xfrm>
+              <a:prstGeom prst="rect">
+                <a:avLst/>
+              </a:prstGeom>
+              <a:noFill/>
+              <a:ln w="25400">
+                <a:prstDash val="dash"/>
+              </a:ln>
+            </p:spPr>
+            <p:style>
+              <a:lnRef idx="2">
+                <a:schemeClr val="accent1">
+                  <a:shade val="50000"/>
+                </a:schemeClr>
+              </a:lnRef>
+              <a:fillRef idx="1">
+                <a:schemeClr val="accent1"/>
+              </a:fillRef>
+              <a:effectRef idx="0">
+                <a:schemeClr val="accent1"/>
+              </a:effectRef>
+              <a:fontRef idx="minor">
+                <a:schemeClr val="lt1"/>
+              </a:fontRef>
+            </p:style>
+            <p:txBody>
+              <a:bodyPr rtlCol="0" anchor="ctr"/>
+              <a:lstStyle/>
+              <a:p>
+                <a:pPr algn="ctr"/>
+                <a:endParaRPr kumimoji="1" lang="ko-KR" altLang="en-US"/>
+              </a:p>
+            </p:txBody>
+          </p:sp>
+          <p:sp>
+            <p:nvSpPr>
+              <p:cNvPr id="7" name="텍스트 상자 6"/>
+              <p:cNvSpPr txBox="1"/>
+              <p:nvPr/>
+            </p:nvSpPr>
+            <p:spPr>
+              <a:xfrm>
+                <a:off x="2325130" y="2494764"/>
+                <a:ext cx="467436" cy="369332"/>
+              </a:xfrm>
+              <a:prstGeom prst="rect">
+                <a:avLst/>
+              </a:prstGeom>
+              <a:noFill/>
+            </p:spPr>
+            <p:txBody>
+              <a:bodyPr wrap="none" rtlCol="0">
+                <a:spAutoFit/>
+              </a:bodyPr>
+              <a:lstStyle/>
+              <a:p>
+                <a:r>
+                  <a:rPr kumimoji="1" lang="en-US" altLang="ko-KR" b="1" dirty="0" smtClean="0"/>
+                  <a:t>VS</a:t>
+                </a:r>
+                <a:endParaRPr kumimoji="1" lang="ko-KR" altLang="en-US" b="1" dirty="0"/>
+              </a:p>
+            </p:txBody>
+          </p:sp>
+        </p:grpSp>
+        <p:sp>
+          <p:nvSpPr>
+            <p:cNvPr id="23" name="텍스트 상자 22"/>
+            <p:cNvSpPr txBox="1"/>
+            <p:nvPr/>
+          </p:nvSpPr>
+          <p:spPr>
+            <a:xfrm>
+              <a:off x="495263" y="1293656"/>
+              <a:ext cx="3019869" cy="369332"/>
+            </a:xfrm>
+            <a:prstGeom prst="rect">
+              <a:avLst/>
+            </a:prstGeom>
+            <a:noFill/>
+          </p:spPr>
+          <p:txBody>
+            <a:bodyPr wrap="square" rtlCol="0">
+              <a:spAutoFit/>
+            </a:bodyPr>
+            <a:lstStyle/>
+            <a:p>
+              <a:pPr algn="ctr"/>
+              <a:r>
+                <a:rPr kumimoji="1" lang="en-US" altLang="ko-KR" b="1" dirty="0" smtClean="0">
+                  <a:solidFill>
+                    <a:schemeClr val="accent1">
+                      <a:lumMod val="75000"/>
+                    </a:schemeClr>
+                  </a:solidFill>
+                </a:rPr>
+                <a:t>POWER DATA</a:t>
+              </a:r>
+              <a:endParaRPr kumimoji="1" lang="ko-KR" altLang="en-US" b="1" dirty="0">
+                <a:solidFill>
+                  <a:schemeClr val="accent1">
+                    <a:lumMod val="75000"/>
+                  </a:schemeClr>
+                </a:solidFill>
+              </a:endParaRPr>
+            </a:p>
+          </p:txBody>
+        </p:sp>
+      </p:grpSp>
+      <p:sp>
+        <p:nvSpPr>
+          <p:cNvPr id="20" name="텍스트 상자 19"/>
+          <p:cNvSpPr txBox="1"/>
+          <p:nvPr/>
+        </p:nvSpPr>
+        <p:spPr>
+          <a:xfrm>
+            <a:off x="4380115" y="1669805"/>
+            <a:ext cx="184731" cy="369332"/>
+          </a:xfrm>
+          <a:prstGeom prst="rect">
+            <a:avLst/>
+          </a:prstGeom>
+          <a:noFill/>
+        </p:spPr>
+        <p:txBody>
+          <a:bodyPr wrap="none" rtlCol="0">
+            <a:spAutoFit/>
+          </a:bodyPr>
+          <a:lstStyle/>
+          <a:p>
+            <a:endParaRPr kumimoji="1" lang="ko-KR" altLang="en-US" dirty="0"/>
+          </a:p>
+        </p:txBody>
+      </p:sp>
+      <p:grpSp>
+        <p:nvGrpSpPr>
+          <p:cNvPr id="2" name="그룹 1"/>
+          <p:cNvGrpSpPr/>
+          <p:nvPr/>
+        </p:nvGrpSpPr>
+        <p:grpSpPr>
+          <a:xfrm>
+            <a:off x="4738958" y="608177"/>
+            <a:ext cx="3138616" cy="5150073"/>
+            <a:chOff x="4738958" y="-22018"/>
+            <a:chExt cx="3138616" cy="5150073"/>
+          </a:xfrm>
+        </p:grpSpPr>
+        <p:sp>
+          <p:nvSpPr>
+            <p:cNvPr id="8" name="텍스트 상자 7"/>
+            <p:cNvSpPr txBox="1"/>
+            <p:nvPr/>
+          </p:nvSpPr>
+          <p:spPr>
+            <a:xfrm>
+              <a:off x="6074548" y="1937376"/>
+              <a:ext cx="467436" cy="369332"/>
+            </a:xfrm>
+            <a:prstGeom prst="rect">
+              <a:avLst/>
+            </a:prstGeom>
+            <a:noFill/>
+          </p:spPr>
+          <p:txBody>
+            <a:bodyPr wrap="none" rtlCol="0">
+              <a:spAutoFit/>
+            </a:bodyPr>
+            <a:lstStyle/>
+            <a:p>
+              <a:r>
+                <a:rPr kumimoji="1" lang="en-US" altLang="ko-KR" b="1" dirty="0" smtClean="0"/>
+                <a:t>VS</a:t>
+              </a:r>
+              <a:endParaRPr kumimoji="1" lang="ko-KR" altLang="en-US" b="1" dirty="0"/>
+            </a:p>
+          </p:txBody>
+        </p:sp>
+        <p:sp>
+          <p:nvSpPr>
+            <p:cNvPr id="9" name="직사각형 8"/>
+            <p:cNvSpPr/>
+            <p:nvPr/>
+          </p:nvSpPr>
+          <p:spPr>
+            <a:xfrm>
+              <a:off x="4738958" y="672611"/>
+              <a:ext cx="3138616" cy="4455444"/>
+            </a:xfrm>
+            <a:prstGeom prst="rect">
+              <a:avLst/>
+            </a:prstGeom>
+            <a:noFill/>
+            <a:ln w="25400">
+              <a:prstDash val="dash"/>
+            </a:ln>
+          </p:spPr>
+          <p:style>
+            <a:lnRef idx="2">
+              <a:schemeClr val="accent1">
+                <a:shade val="50000"/>
+              </a:schemeClr>
+            </a:lnRef>
+            <a:fillRef idx="1">
+              <a:schemeClr val="accent1"/>
+            </a:fillRef>
+            <a:effectRef idx="0">
+              <a:schemeClr val="accent1"/>
+            </a:effectRef>
+            <a:fontRef idx="minor">
+              <a:schemeClr val="lt1"/>
+            </a:fontRef>
+          </p:style>
+          <p:txBody>
+            <a:bodyPr rtlCol="0" anchor="ctr"/>
+            <a:lstStyle/>
+            <a:p>
+              <a:pPr algn="ctr"/>
+              <a:endParaRPr kumimoji="1" lang="ko-KR" altLang="en-US"/>
+            </a:p>
+          </p:txBody>
+        </p:sp>
+        <p:sp>
+          <p:nvSpPr>
+            <p:cNvPr id="10" name="모서리가 둥근 직사각형 9"/>
+            <p:cNvSpPr/>
+            <p:nvPr/>
+          </p:nvSpPr>
+          <p:spPr>
+            <a:xfrm>
+              <a:off x="5325904" y="1035703"/>
+              <a:ext cx="1964724" cy="712929"/>
+            </a:xfrm>
+            <a:prstGeom prst="roundRect">
+              <a:avLst/>
+            </a:prstGeom>
+          </p:spPr>
+          <p:style>
+            <a:lnRef idx="2">
+              <a:schemeClr val="accent1">
+                <a:shade val="50000"/>
+              </a:schemeClr>
+            </a:lnRef>
+            <a:fillRef idx="1">
+              <a:schemeClr val="accent1"/>
+            </a:fillRef>
+            <a:effectRef idx="0">
+              <a:schemeClr val="accent1"/>
+            </a:effectRef>
+            <a:fontRef idx="minor">
+              <a:schemeClr val="lt1"/>
+            </a:fontRef>
+          </p:style>
+          <p:txBody>
+            <a:bodyPr rtlCol="0" anchor="ctr"/>
+            <a:lstStyle/>
+            <a:p>
+              <a:pPr algn="ctr"/>
+              <a:r>
+                <a:rPr kumimoji="1" lang="en-US" altLang="ko-KR" dirty="0" smtClean="0"/>
+                <a:t>ML</a:t>
+              </a:r>
+              <a:endParaRPr kumimoji="1" lang="ko-KR" altLang="en-US" dirty="0"/>
+            </a:p>
+          </p:txBody>
+        </p:sp>
+        <p:sp>
+          <p:nvSpPr>
+            <p:cNvPr id="14" name="모서리가 둥근 직사각형 13"/>
+            <p:cNvSpPr/>
+            <p:nvPr/>
+          </p:nvSpPr>
+          <p:spPr>
+            <a:xfrm>
+              <a:off x="5325904" y="2495452"/>
+              <a:ext cx="1964724" cy="712929"/>
+            </a:xfrm>
+            <a:prstGeom prst="roundRect">
+              <a:avLst/>
+            </a:prstGeom>
+          </p:spPr>
+          <p:style>
+            <a:lnRef idx="2">
+              <a:schemeClr val="accent1">
+                <a:shade val="50000"/>
+              </a:schemeClr>
+            </a:lnRef>
+            <a:fillRef idx="1">
+              <a:schemeClr val="accent1"/>
+            </a:fillRef>
+            <a:effectRef idx="0">
+              <a:schemeClr val="accent1"/>
+            </a:effectRef>
+            <a:fontRef idx="minor">
+              <a:schemeClr val="lt1"/>
+            </a:fontRef>
+          </p:style>
+          <p:txBody>
+            <a:bodyPr rtlCol="0" anchor="ctr"/>
+            <a:lstStyle/>
+            <a:p>
+              <a:pPr algn="ctr"/>
+              <a:r>
+                <a:rPr kumimoji="1" lang="en-US" altLang="ko-KR" dirty="0" smtClean="0"/>
+                <a:t>CNN</a:t>
+              </a:r>
+              <a:endParaRPr kumimoji="1" lang="ko-KR" altLang="en-US" dirty="0"/>
+            </a:p>
+          </p:txBody>
+        </p:sp>
+        <p:sp>
+          <p:nvSpPr>
+            <p:cNvPr id="15" name="모서리가 둥근 직사각형 14"/>
+            <p:cNvSpPr/>
+            <p:nvPr/>
+          </p:nvSpPr>
+          <p:spPr>
+            <a:xfrm>
+              <a:off x="5325904" y="3955201"/>
+              <a:ext cx="1964724" cy="712929"/>
+            </a:xfrm>
+            <a:prstGeom prst="roundRect">
+              <a:avLst/>
+            </a:prstGeom>
+          </p:spPr>
+          <p:style>
+            <a:lnRef idx="2">
+              <a:schemeClr val="accent1">
+                <a:shade val="50000"/>
+              </a:schemeClr>
+            </a:lnRef>
+            <a:fillRef idx="1">
+              <a:schemeClr val="accent1"/>
+            </a:fillRef>
+            <a:effectRef idx="0">
+              <a:schemeClr val="accent1"/>
+            </a:effectRef>
+            <a:fontRef idx="minor">
+              <a:schemeClr val="lt1"/>
+            </a:fontRef>
+          </p:style>
+          <p:txBody>
+            <a:bodyPr rtlCol="0" anchor="ctr"/>
+            <a:lstStyle/>
+            <a:p>
+              <a:pPr algn="ctr"/>
+              <a:r>
+                <a:rPr kumimoji="1" lang="en-US" altLang="ko-KR" dirty="0" smtClean="0"/>
+                <a:t>RNN</a:t>
+              </a:r>
+              <a:endParaRPr kumimoji="1" lang="ko-KR" altLang="en-US" dirty="0"/>
+            </a:p>
+          </p:txBody>
+        </p:sp>
+        <p:sp>
+          <p:nvSpPr>
+            <p:cNvPr id="17" name="텍스트 상자 16"/>
+            <p:cNvSpPr txBox="1"/>
+            <p:nvPr/>
+          </p:nvSpPr>
+          <p:spPr>
+            <a:xfrm>
+              <a:off x="6074548" y="3397125"/>
+              <a:ext cx="467436" cy="369332"/>
+            </a:xfrm>
+            <a:prstGeom prst="rect">
+              <a:avLst/>
+            </a:prstGeom>
+            <a:noFill/>
+          </p:spPr>
+          <p:txBody>
+            <a:bodyPr wrap="none" rtlCol="0">
+              <a:spAutoFit/>
+            </a:bodyPr>
+            <a:lstStyle/>
+            <a:p>
+              <a:r>
+                <a:rPr kumimoji="1" lang="en-US" altLang="ko-KR" b="1" dirty="0" smtClean="0"/>
+                <a:t>VS</a:t>
+              </a:r>
+              <a:endParaRPr kumimoji="1" lang="ko-KR" altLang="en-US" b="1" dirty="0"/>
+            </a:p>
+          </p:txBody>
+        </p:sp>
+        <p:sp>
+          <p:nvSpPr>
+            <p:cNvPr id="24" name="텍스트 상자 23"/>
+            <p:cNvSpPr txBox="1"/>
+            <p:nvPr/>
+          </p:nvSpPr>
+          <p:spPr>
+            <a:xfrm>
+              <a:off x="5465038" y="-22018"/>
+              <a:ext cx="1686455" cy="646331"/>
+            </a:xfrm>
+            <a:prstGeom prst="rect">
+              <a:avLst/>
+            </a:prstGeom>
+            <a:noFill/>
+          </p:spPr>
+          <p:txBody>
+            <a:bodyPr wrap="square" rtlCol="0">
+              <a:spAutoFit/>
+            </a:bodyPr>
+            <a:lstStyle/>
+            <a:p>
+              <a:pPr algn="ctr"/>
+              <a:r>
+                <a:rPr kumimoji="1" lang="en-US" altLang="ko-KR" b="1" dirty="0" smtClean="0">
+                  <a:solidFill>
+                    <a:schemeClr val="accent1">
+                      <a:lumMod val="75000"/>
+                    </a:schemeClr>
+                  </a:solidFill>
+                </a:rPr>
+                <a:t>LEARNING ALGORITHM</a:t>
+              </a:r>
+              <a:endParaRPr kumimoji="1" lang="ko-KR" altLang="en-US" b="1" dirty="0">
+                <a:solidFill>
+                  <a:schemeClr val="accent1">
+                    <a:lumMod val="75000"/>
+                  </a:schemeClr>
+                </a:solidFill>
+              </a:endParaRPr>
+            </a:p>
+          </p:txBody>
+        </p:sp>
+      </p:grpSp>
+      <p:grpSp>
+        <p:nvGrpSpPr>
+          <p:cNvPr id="33" name="그룹 32"/>
+          <p:cNvGrpSpPr/>
+          <p:nvPr/>
+        </p:nvGrpSpPr>
+        <p:grpSpPr>
+          <a:xfrm>
+            <a:off x="8213445" y="1674305"/>
+            <a:ext cx="1657161" cy="3652658"/>
+            <a:chOff x="8384582" y="1748632"/>
+            <a:chExt cx="1657161" cy="3652658"/>
+          </a:xfrm>
+        </p:grpSpPr>
+        <p:sp>
+          <p:nvSpPr>
+            <p:cNvPr id="31" name="위쪽/아래쪽 화살표[U] 30"/>
+            <p:cNvSpPr/>
+            <p:nvPr/>
+          </p:nvSpPr>
+          <p:spPr>
+            <a:xfrm>
+              <a:off x="8448534" y="1748632"/>
+              <a:ext cx="1529255" cy="3652658"/>
+            </a:xfrm>
+            <a:prstGeom prst="upDownArrow">
+              <a:avLst/>
+            </a:prstGeom>
+            <a:noFill/>
+          </p:spPr>
+          <p:style>
+            <a:lnRef idx="2">
+              <a:schemeClr val="accent1">
+                <a:shade val="50000"/>
+              </a:schemeClr>
+            </a:lnRef>
+            <a:fillRef idx="1">
+              <a:schemeClr val="accent1"/>
+            </a:fillRef>
+            <a:effectRef idx="0">
+              <a:schemeClr val="accent1"/>
+            </a:effectRef>
+            <a:fontRef idx="minor">
+              <a:schemeClr val="lt1"/>
+            </a:fontRef>
+          </p:style>
+          <p:txBody>
+            <a:bodyPr rtlCol="0" anchor="ctr"/>
+            <a:lstStyle/>
+            <a:p>
+              <a:pPr algn="ctr"/>
+              <a:endParaRPr kumimoji="1" lang="ko-KR" altLang="en-US"/>
+            </a:p>
+          </p:txBody>
+        </p:sp>
+        <p:sp>
+          <p:nvSpPr>
+            <p:cNvPr id="32" name="직사각형 31"/>
+            <p:cNvSpPr/>
+            <p:nvPr/>
+          </p:nvSpPr>
+          <p:spPr>
+            <a:xfrm>
+              <a:off x="8384582" y="3081459"/>
+              <a:ext cx="1657161" cy="828420"/>
+            </a:xfrm>
+            <a:prstGeom prst="rect">
+              <a:avLst/>
+            </a:prstGeom>
+            <a:solidFill>
+              <a:schemeClr val="bg1"/>
+            </a:solidFill>
+          </p:spPr>
+          <p:style>
+            <a:lnRef idx="2">
+              <a:schemeClr val="accent1">
+                <a:shade val="50000"/>
+              </a:schemeClr>
+            </a:lnRef>
+            <a:fillRef idx="1">
+              <a:schemeClr val="accent1"/>
+            </a:fillRef>
+            <a:effectRef idx="0">
+              <a:schemeClr val="accent1"/>
+            </a:effectRef>
+            <a:fontRef idx="minor">
+              <a:schemeClr val="lt1"/>
+            </a:fontRef>
+          </p:style>
+          <p:txBody>
+            <a:bodyPr rtlCol="0" anchor="ctr"/>
+            <a:lstStyle/>
+            <a:p>
+              <a:pPr algn="ctr"/>
+              <a:r>
+                <a:rPr kumimoji="1" lang="en-US" altLang="ko-KR" b="1" dirty="0" smtClean="0">
+                  <a:solidFill>
+                    <a:schemeClr val="accent1">
+                      <a:lumMod val="75000"/>
+                    </a:schemeClr>
+                  </a:solidFill>
+                </a:rPr>
+                <a:t>Performance Compare</a:t>
+              </a:r>
+              <a:endParaRPr kumimoji="1" lang="ko-KR" altLang="en-US" b="1" dirty="0">
+                <a:solidFill>
+                  <a:schemeClr val="accent1">
+                    <a:lumMod val="75000"/>
+                  </a:schemeClr>
+                </a:solidFill>
+              </a:endParaRPr>
+            </a:p>
+          </p:txBody>
+        </p:sp>
+      </p:grpSp>
+    </p:spTree>
+    <p:extLst>
+      <p:ext uri="{BB962C8B-B14F-4D97-AF65-F5344CB8AC3E}">
+        <p14:creationId xmlns:p14="http://schemas.microsoft.com/office/powerpoint/2010/main" val="500497217"/>
+      </p:ext>
+    </p:extLst>
+  </p:cSld>
+  <p:clrMapOvr>
+    <a:masterClrMapping/>
+  </p:clrMapOvr>
+</p:sld>
+</file>
+
 <file path=ppt/theme/theme1.xml><?xml version="1.0" encoding="utf-8"?>
 <a:theme xmlns:a="http://schemas.openxmlformats.org/drawingml/2006/main" name="Office 테마">
   <a:themeElements>
@@ -4040,4 +5134,265 @@
     </a:ext>
   </a:extLst>
 </a:theme>
+</file>
+
+<file path=ppt/theme/theme2.xml><?xml version="1.0" encoding="utf-8"?>
+<a:theme xmlns:a="http://schemas.openxmlformats.org/drawingml/2006/main" name="Office 테마">
+  <a:themeElements>
+    <a:clrScheme name="Office">
+      <a:dk1>
+        <a:sysClr val="windowText" lastClr="000000"/>
+      </a:dk1>
+      <a:lt1>
+        <a:sysClr val="window" lastClr="FFFFFF"/>
+      </a:lt1>
+      <a:dk2>
+        <a:srgbClr val="44546A"/>
+      </a:dk2>
+      <a:lt2>
+        <a:srgbClr val="E7E6E6"/>
+      </a:lt2>
+      <a:accent1>
+        <a:srgbClr val="4472C4"/>
+      </a:accent1>
+      <a:accent2>
+        <a:srgbClr val="ED7D31"/>
+      </a:accent2>
+      <a:accent3>
+        <a:srgbClr val="A5A5A5"/>
+      </a:accent3>
+      <a:accent4>
+        <a:srgbClr val="FFC000"/>
+      </a:accent4>
+      <a:accent5>
+        <a:srgbClr val="5B9BD5"/>
+      </a:accent5>
+      <a:accent6>
+        <a:srgbClr val="70AD47"/>
+      </a:accent6>
+      <a:hlink>
+        <a:srgbClr val="0563C1"/>
+      </a:hlink>
+      <a:folHlink>
+        <a:srgbClr val="954F72"/>
+      </a:folHlink>
+    </a:clrScheme>
+    <a:fontScheme name="Office">
+      <a:majorFont>
+        <a:latin typeface="맑은 고딕" panose="020F0302020204030204"/>
+        <a:ea typeface=""/>
+        <a:cs typeface=""/>
+        <a:font script="Jpan" typeface="Yu Gothic Light"/>
+        <a:font script="Hang" typeface="맑은 고딕"/>
+        <a:font script="Hans" typeface="DengXian Light"/>
+        <a:font script="Hant" typeface="新細明體"/>
+        <a:font script="Arab" typeface="Times New Roman"/>
+        <a:font script="Hebr" typeface="Times New Roman"/>
+        <a:font script="Thai" typeface="Angsana New"/>
+        <a:font script="Ethi" typeface="Nyala"/>
+        <a:font script="Beng" typeface="Vrinda"/>
+        <a:font script="Gujr" typeface="Shruti"/>
+        <a:font script="Khmr" typeface="MoolBoran"/>
+        <a:font script="Knda" typeface="Tunga"/>
+        <a:font script="Guru" typeface="Raavi"/>
+        <a:font script="Cans" typeface="Euphemia"/>
+        <a:font script="Cher" typeface="Plantagenet Cherokee"/>
+        <a:font script="Yiii" typeface="Microsoft Yi Baiti"/>
+        <a:font script="Tibt" typeface="Microsoft Himalaya"/>
+        <a:font script="Thaa" typeface="MV Boli"/>
+        <a:font script="Deva" typeface="Mangal"/>
+        <a:font script="Telu" typeface="Gautami"/>
+        <a:font script="Taml" typeface="Latha"/>
+        <a:font script="Syrc" typeface="Estrangelo Edessa"/>
+        <a:font script="Orya" typeface="Kalinga"/>
+        <a:font script="Mlym" typeface="Kartika"/>
+        <a:font script="Laoo" typeface="DokChampa"/>
+        <a:font script="Sinh" typeface="Iskoola Pota"/>
+        <a:font script="Mong" typeface="Mongolian Baiti"/>
+        <a:font script="Viet" typeface="Times New Roman"/>
+        <a:font script="Uigh" typeface="Microsoft Uighur"/>
+        <a:font script="Geor" typeface="Sylfaen"/>
+      </a:majorFont>
+      <a:minorFont>
+        <a:latin typeface="맑은 고딕" panose="020F0502020204030204"/>
+        <a:ea typeface=""/>
+        <a:cs typeface=""/>
+        <a:font script="Jpan" typeface="Yu Gothic"/>
+        <a:font script="Hang" typeface="맑은 고딕"/>
+        <a:font script="Hans" typeface="DengXian"/>
+        <a:font script="Hant" typeface="新細明體"/>
+        <a:font script="Arab" typeface="Arial"/>
+        <a:font script="Hebr" typeface="Arial"/>
+        <a:font script="Thai" typeface="Cordia New"/>
+        <a:font script="Ethi" typeface="Nyala"/>
+        <a:font script="Beng" typeface="Vrinda"/>
+        <a:font script="Gujr" typeface="Shruti"/>
+        <a:font script="Khmr" typeface="DaunPenh"/>
+        <a:font script="Knda" typeface="Tunga"/>
+        <a:font script="Guru" typeface="Raavi"/>
+        <a:font script="Cans" typeface="Euphemia"/>
+        <a:font script="Cher" typeface="Plantagenet Cherokee"/>
+        <a:font script="Yiii" typeface="Microsoft Yi Baiti"/>
+        <a:font script="Tibt" typeface="Microsoft Himalaya"/>
+        <a:font script="Thaa" typeface="MV Boli"/>
+        <a:font script="Deva" typeface="Mangal"/>
+        <a:font script="Telu" typeface="Gautami"/>
+        <a:font script="Taml" typeface="Latha"/>
+        <a:font script="Syrc" typeface="Estrangelo Edessa"/>
+        <a:font script="Orya" typeface="Kalinga"/>
+        <a:font script="Mlym" typeface="Kartika"/>
+        <a:font script="Laoo" typeface="DokChampa"/>
+        <a:font script="Sinh" typeface="Iskoola Pota"/>
+        <a:font script="Mong" typeface="Mongolian Baiti"/>
+        <a:font script="Viet" typeface="Arial"/>
+        <a:font script="Uigh" typeface="Microsoft Uighur"/>
+        <a:font script="Geor" typeface="Sylfaen"/>
+      </a:minorFont>
+    </a:fontScheme>
+    <a:fmtScheme name="Office">
+      <a:fillStyleLst>
+        <a:solidFill>
+          <a:schemeClr val="phClr"/>
+        </a:solidFill>
+        <a:gradFill rotWithShape="1">
+          <a:gsLst>
+            <a:gs pos="0">
+              <a:schemeClr val="phClr">
+                <a:lumMod val="110000"/>
+                <a:satMod val="105000"/>
+                <a:tint val="67000"/>
+              </a:schemeClr>
+            </a:gs>
+            <a:gs pos="50000">
+              <a:schemeClr val="phClr">
+                <a:lumMod val="105000"/>
+                <a:satMod val="103000"/>
+                <a:tint val="73000"/>
+              </a:schemeClr>
+            </a:gs>
+            <a:gs pos="100000">
+              <a:schemeClr val="phClr">
+                <a:lumMod val="105000"/>
+                <a:satMod val="109000"/>
+                <a:tint val="81000"/>
+              </a:schemeClr>
+            </a:gs>
+          </a:gsLst>
+          <a:lin ang="5400000" scaled="0"/>
+        </a:gradFill>
+        <a:gradFill rotWithShape="1">
+          <a:gsLst>
+            <a:gs pos="0">
+              <a:schemeClr val="phClr">
+                <a:satMod val="103000"/>
+                <a:lumMod val="102000"/>
+                <a:tint val="94000"/>
+              </a:schemeClr>
+            </a:gs>
+            <a:gs pos="50000">
+              <a:schemeClr val="phClr">
+                <a:satMod val="110000"/>
+                <a:lumMod val="100000"/>
+                <a:shade val="100000"/>
+              </a:schemeClr>
+            </a:gs>
+            <a:gs pos="100000">
+              <a:schemeClr val="phClr">
+                <a:lumMod val="99000"/>
+                <a:satMod val="120000"/>
+                <a:shade val="78000"/>
+              </a:schemeClr>
+            </a:gs>
+          </a:gsLst>
+          <a:lin ang="5400000" scaled="0"/>
+        </a:gradFill>
+      </a:fillStyleLst>
+      <a:lnStyleLst>
+        <a:ln w="6350" cap="flat" cmpd="sng" algn="ctr">
+          <a:solidFill>
+            <a:schemeClr val="phClr"/>
+          </a:solidFill>
+          <a:prstDash val="solid"/>
+          <a:miter lim="800000"/>
+        </a:ln>
+        <a:ln w="12700" cap="flat" cmpd="sng" algn="ctr">
+          <a:solidFill>
+            <a:schemeClr val="phClr"/>
+          </a:solidFill>
+          <a:prstDash val="solid"/>
+          <a:miter lim="800000"/>
+        </a:ln>
+        <a:ln w="19050" cap="flat" cmpd="sng" algn="ctr">
+          <a:solidFill>
+            <a:schemeClr val="phClr"/>
+          </a:solidFill>
+          <a:prstDash val="solid"/>
+          <a:miter lim="800000"/>
+        </a:ln>
+      </a:lnStyleLst>
+      <a:effectStyleLst>
+        <a:effectStyle>
+          <a:effectLst/>
+        </a:effectStyle>
+        <a:effectStyle>
+          <a:effectLst/>
+        </a:effectStyle>
+        <a:effectStyle>
+          <a:effectLst>
+            <a:outerShdw blurRad="57150" dist="19050" dir="5400000" algn="ctr" rotWithShape="0">
+              <a:srgbClr val="000000">
+                <a:alpha val="63000"/>
+              </a:srgbClr>
+            </a:outerShdw>
+          </a:effectLst>
+        </a:effectStyle>
+      </a:effectStyleLst>
+      <a:bgFillStyleLst>
+        <a:solidFill>
+          <a:schemeClr val="phClr"/>
+        </a:solidFill>
+        <a:solidFill>
+          <a:schemeClr val="phClr">
+            <a:tint val="95000"/>
+            <a:satMod val="170000"/>
+          </a:schemeClr>
+        </a:solidFill>
+        <a:gradFill rotWithShape="1">
+          <a:gsLst>
+            <a:gs pos="0">
+              <a:schemeClr val="phClr">
+                <a:tint val="93000"/>
+                <a:satMod val="150000"/>
+                <a:shade val="98000"/>
+                <a:lumMod val="102000"/>
+              </a:schemeClr>
+            </a:gs>
+            <a:gs pos="50000">
+              <a:schemeClr val="phClr">
+                <a:tint val="98000"/>
+                <a:satMod val="130000"/>
+                <a:shade val="90000"/>
+                <a:lumMod val="103000"/>
+              </a:schemeClr>
+            </a:gs>
+            <a:gs pos="100000">
+              <a:schemeClr val="phClr">
+                <a:shade val="63000"/>
+                <a:satMod val="120000"/>
+              </a:schemeClr>
+            </a:gs>
+          </a:gsLst>
+          <a:lin ang="5400000" scaled="0"/>
+        </a:gradFill>
+      </a:bgFillStyleLst>
+    </a:fmtScheme>
+  </a:themeElements>
+  <a:objectDefaults/>
+  <a:extraClrSchemeLst/>
+  <a:extLst>
+    <a:ext uri="{05A4C25C-085E-4340-85A3-A5531E510DB2}">
+      <thm15:themeFamily xmlns:thm15="http://schemas.microsoft.com/office/thememl/2012/main" name="Office Theme" id="{62F939B6-93AF-4DB8-9C6B-D6C7DFDC589F}" vid="{4A3C46E8-61CC-4603-A589-7422A47A8E4A}"/>
+    </a:ext>
+  </a:extLst>
+</a:theme>
 </file>
--- a/etc/pic.pptx
+++ b/etc/pic.pptx
@@ -5,11 +5,12 @@
     <p:sldMasterId id="2147483648" r:id="rId1"/>
   </p:sldMasterIdLst>
   <p:notesMasterIdLst>
-    <p:notesMasterId r:id="rId4"/>
+    <p:notesMasterId r:id="rId5"/>
   </p:notesMasterIdLst>
   <p:sldIdLst>
     <p:sldId id="256" r:id="rId2"/>
-    <p:sldId id="257" r:id="rId3"/>
+    <p:sldId id="258" r:id="rId3"/>
+    <p:sldId id="257" r:id="rId4"/>
   </p:sldIdLst>
   <p:sldSz cx="12192000" cy="6858000"/>
   <p:notesSz cx="6858000" cy="9144000"/>
@@ -198,7 +199,7 @@
           <a:p>
             <a:fld id="{FCE1B6AD-6303-444C-9C52-BC8C2CF7134E}" type="datetimeFigureOut">
               <a:rPr kumimoji="1" lang="ko-KR" altLang="en-US" smtClean="0"/>
-              <a:t>2017. 3. 24.</a:t>
+              <a:t>2017. 4. 28.</a:t>
             </a:fld>
             <a:endParaRPr kumimoji="1" lang="ko-KR" altLang="en-US"/>
           </a:p>
@@ -597,7 +598,7 @@
           <a:p>
             <a:fld id="{1C635CAC-6453-3E48-9AD4-4AF16892EDFD}" type="datetimeFigureOut">
               <a:rPr kumimoji="1" lang="ko-KR" altLang="en-US" smtClean="0"/>
-              <a:t>2017. 3. 24.</a:t>
+              <a:t>2017. 4. 28.</a:t>
             </a:fld>
             <a:endParaRPr kumimoji="1" lang="ko-KR" altLang="en-US"/>
           </a:p>
@@ -767,7 +768,7 @@
           <a:p>
             <a:fld id="{1C635CAC-6453-3E48-9AD4-4AF16892EDFD}" type="datetimeFigureOut">
               <a:rPr kumimoji="1" lang="ko-KR" altLang="en-US" smtClean="0"/>
-              <a:t>2017. 3. 24.</a:t>
+              <a:t>2017. 4. 28.</a:t>
             </a:fld>
             <a:endParaRPr kumimoji="1" lang="ko-KR" altLang="en-US"/>
           </a:p>
@@ -947,7 +948,7 @@
           <a:p>
             <a:fld id="{1C635CAC-6453-3E48-9AD4-4AF16892EDFD}" type="datetimeFigureOut">
               <a:rPr kumimoji="1" lang="ko-KR" altLang="en-US" smtClean="0"/>
-              <a:t>2017. 3. 24.</a:t>
+              <a:t>2017. 4. 28.</a:t>
             </a:fld>
             <a:endParaRPr kumimoji="1" lang="ko-KR" altLang="en-US"/>
           </a:p>
@@ -1117,7 +1118,7 @@
           <a:p>
             <a:fld id="{1C635CAC-6453-3E48-9AD4-4AF16892EDFD}" type="datetimeFigureOut">
               <a:rPr kumimoji="1" lang="ko-KR" altLang="en-US" smtClean="0"/>
-              <a:t>2017. 3. 24.</a:t>
+              <a:t>2017. 4. 28.</a:t>
             </a:fld>
             <a:endParaRPr kumimoji="1" lang="ko-KR" altLang="en-US"/>
           </a:p>
@@ -1363,7 +1364,7 @@
           <a:p>
             <a:fld id="{1C635CAC-6453-3E48-9AD4-4AF16892EDFD}" type="datetimeFigureOut">
               <a:rPr kumimoji="1" lang="ko-KR" altLang="en-US" smtClean="0"/>
-              <a:t>2017. 3. 24.</a:t>
+              <a:t>2017. 4. 28.</a:t>
             </a:fld>
             <a:endParaRPr kumimoji="1" lang="ko-KR" altLang="en-US"/>
           </a:p>
@@ -1595,7 +1596,7 @@
           <a:p>
             <a:fld id="{1C635CAC-6453-3E48-9AD4-4AF16892EDFD}" type="datetimeFigureOut">
               <a:rPr kumimoji="1" lang="ko-KR" altLang="en-US" smtClean="0"/>
-              <a:t>2017. 3. 24.</a:t>
+              <a:t>2017. 4. 28.</a:t>
             </a:fld>
             <a:endParaRPr kumimoji="1" lang="ko-KR" altLang="en-US"/>
           </a:p>
@@ -1962,7 +1963,7 @@
           <a:p>
             <a:fld id="{1C635CAC-6453-3E48-9AD4-4AF16892EDFD}" type="datetimeFigureOut">
               <a:rPr kumimoji="1" lang="ko-KR" altLang="en-US" smtClean="0"/>
-              <a:t>2017. 3. 24.</a:t>
+              <a:t>2017. 4. 28.</a:t>
             </a:fld>
             <a:endParaRPr kumimoji="1" lang="ko-KR" altLang="en-US"/>
           </a:p>
@@ -2080,7 +2081,7 @@
           <a:p>
             <a:fld id="{1C635CAC-6453-3E48-9AD4-4AF16892EDFD}" type="datetimeFigureOut">
               <a:rPr kumimoji="1" lang="ko-KR" altLang="en-US" smtClean="0"/>
-              <a:t>2017. 3. 24.</a:t>
+              <a:t>2017. 4. 28.</a:t>
             </a:fld>
             <a:endParaRPr kumimoji="1" lang="ko-KR" altLang="en-US"/>
           </a:p>
@@ -2175,7 +2176,7 @@
           <a:p>
             <a:fld id="{1C635CAC-6453-3E48-9AD4-4AF16892EDFD}" type="datetimeFigureOut">
               <a:rPr kumimoji="1" lang="ko-KR" altLang="en-US" smtClean="0"/>
-              <a:t>2017. 3. 24.</a:t>
+              <a:t>2017. 4. 28.</a:t>
             </a:fld>
             <a:endParaRPr kumimoji="1" lang="ko-KR" altLang="en-US"/>
           </a:p>
@@ -2452,7 +2453,7 @@
           <a:p>
             <a:fld id="{1C635CAC-6453-3E48-9AD4-4AF16892EDFD}" type="datetimeFigureOut">
               <a:rPr kumimoji="1" lang="ko-KR" altLang="en-US" smtClean="0"/>
-              <a:t>2017. 3. 24.</a:t>
+              <a:t>2017. 4. 28.</a:t>
             </a:fld>
             <a:endParaRPr kumimoji="1" lang="ko-KR" altLang="en-US"/>
           </a:p>
@@ -2705,7 +2706,7 @@
           <a:p>
             <a:fld id="{1C635CAC-6453-3E48-9AD4-4AF16892EDFD}" type="datetimeFigureOut">
               <a:rPr kumimoji="1" lang="ko-KR" altLang="en-US" smtClean="0"/>
-              <a:t>2017. 3. 24.</a:t>
+              <a:t>2017. 4. 28.</a:t>
             </a:fld>
             <a:endParaRPr kumimoji="1" lang="ko-KR" altLang="en-US"/>
           </a:p>
@@ -2918,7 +2919,7 @@
           <a:p>
             <a:fld id="{1C635CAC-6453-3E48-9AD4-4AF16892EDFD}" type="datetimeFigureOut">
               <a:rPr kumimoji="1" lang="ko-KR" altLang="en-US" smtClean="0"/>
-              <a:t>2017. 3. 24.</a:t>
+              <a:t>2017. 4. 28.</a:t>
             </a:fld>
             <a:endParaRPr kumimoji="1" lang="ko-KR" altLang="en-US"/>
           </a:p>
@@ -4132,10 +4133,879 @@
   <p:clrMapOvr>
     <a:masterClrMapping/>
   </p:clrMapOvr>
+  <p:timing>
+    <p:tnLst>
+      <p:par>
+        <p:cTn id="1" dur="indefinite" restart="never" nodeType="tmRoot"/>
+      </p:par>
+    </p:tnLst>
+  </p:timing>
 </p:sld>
 </file>
 
 <file path=ppt/slides/slide2.xml><?xml version="1.0" encoding="utf-8"?>
+<p:sld xmlns:a="http://schemas.openxmlformats.org/drawingml/2006/main" xmlns:r="http://schemas.openxmlformats.org/officeDocument/2006/relationships" xmlns:p="http://schemas.openxmlformats.org/presentationml/2006/main">
+  <p:cSld>
+    <p:spTree>
+      <p:nvGrpSpPr>
+        <p:cNvPr id="1" name=""/>
+        <p:cNvGrpSpPr/>
+        <p:nvPr/>
+      </p:nvGrpSpPr>
+      <p:grpSpPr>
+        <a:xfrm>
+          <a:off x="0" y="0"/>
+          <a:ext cx="0" cy="0"/>
+          <a:chOff x="0" y="0"/>
+          <a:chExt cx="0" cy="0"/>
+        </a:xfrm>
+      </p:grpSpPr>
+      <p:sp>
+        <p:nvSpPr>
+          <p:cNvPr id="22" name="오른쪽 화살표[R] 21"/>
+          <p:cNvSpPr/>
+          <p:nvPr/>
+        </p:nvSpPr>
+        <p:spPr>
+          <a:xfrm>
+            <a:off x="3828411" y="3168758"/>
+            <a:ext cx="748644" cy="653823"/>
+          </a:xfrm>
+          <a:prstGeom prst="rightArrow">
+            <a:avLst/>
+          </a:prstGeom>
+        </p:spPr>
+        <p:style>
+          <a:lnRef idx="2">
+            <a:schemeClr val="accent1">
+              <a:shade val="50000"/>
+            </a:schemeClr>
+          </a:lnRef>
+          <a:fillRef idx="1">
+            <a:schemeClr val="accent1"/>
+          </a:fillRef>
+          <a:effectRef idx="0">
+            <a:schemeClr val="accent1"/>
+          </a:effectRef>
+          <a:fontRef idx="minor">
+            <a:schemeClr val="lt1"/>
+          </a:fontRef>
+        </p:style>
+        <p:txBody>
+          <a:bodyPr rtlCol="0" anchor="ctr"/>
+          <a:lstStyle/>
+          <a:p>
+            <a:pPr algn="ctr"/>
+            <a:endParaRPr kumimoji="1" lang="ko-KR" altLang="en-US"/>
+          </a:p>
+        </p:txBody>
+      </p:sp>
+      <p:grpSp>
+        <p:nvGrpSpPr>
+          <p:cNvPr id="26" name="그룹 25"/>
+          <p:cNvGrpSpPr/>
+          <p:nvPr/>
+        </p:nvGrpSpPr>
+        <p:grpSpPr>
+          <a:xfrm>
+            <a:off x="435890" y="1293656"/>
+            <a:ext cx="3138616" cy="3933448"/>
+            <a:chOff x="435890" y="1293656"/>
+            <a:chExt cx="3138616" cy="3933448"/>
+          </a:xfrm>
+        </p:grpSpPr>
+        <p:grpSp>
+          <p:nvGrpSpPr>
+            <p:cNvPr id="19" name="그룹 18"/>
+            <p:cNvGrpSpPr/>
+            <p:nvPr/>
+          </p:nvGrpSpPr>
+          <p:grpSpPr>
+            <a:xfrm>
+              <a:off x="435890" y="1664097"/>
+              <a:ext cx="3138616" cy="3563007"/>
+              <a:chOff x="989540" y="847857"/>
+              <a:chExt cx="3138616" cy="3563007"/>
+            </a:xfrm>
+          </p:grpSpPr>
+          <p:sp>
+            <p:nvSpPr>
+              <p:cNvPr id="4" name="모서리가 둥근 직사각형 3"/>
+              <p:cNvSpPr/>
+              <p:nvPr/>
+            </p:nvSpPr>
+            <p:spPr>
+              <a:xfrm>
+                <a:off x="1639122" y="1393509"/>
+                <a:ext cx="1839452" cy="862389"/>
+              </a:xfrm>
+              <a:prstGeom prst="roundRect">
+                <a:avLst/>
+              </a:prstGeom>
+            </p:spPr>
+            <p:style>
+              <a:lnRef idx="2">
+                <a:schemeClr val="accent1">
+                  <a:shade val="50000"/>
+                </a:schemeClr>
+              </a:lnRef>
+              <a:fillRef idx="1">
+                <a:schemeClr val="accent1"/>
+              </a:fillRef>
+              <a:effectRef idx="0">
+                <a:schemeClr val="accent1"/>
+              </a:effectRef>
+              <a:fontRef idx="minor">
+                <a:schemeClr val="lt1"/>
+              </a:fontRef>
+            </p:style>
+            <p:txBody>
+              <a:bodyPr rtlCol="0" anchor="ctr"/>
+              <a:lstStyle/>
+              <a:p>
+                <a:pPr algn="ctr"/>
+                <a:r>
+                  <a:rPr kumimoji="1" lang="en-US" altLang="ko-KR" dirty="0" smtClean="0"/>
+                  <a:t>Raw Data</a:t>
+                </a:r>
+                <a:endParaRPr kumimoji="1" lang="ko-KR" altLang="en-US" dirty="0"/>
+              </a:p>
+            </p:txBody>
+          </p:sp>
+          <p:sp>
+            <p:nvSpPr>
+              <p:cNvPr id="5" name="모서리가 둥근 직사각형 4"/>
+              <p:cNvSpPr/>
+              <p:nvPr/>
+            </p:nvSpPr>
+            <p:spPr>
+              <a:xfrm>
+                <a:off x="1576486" y="3046862"/>
+                <a:ext cx="1844631" cy="847221"/>
+              </a:xfrm>
+              <a:prstGeom prst="roundRect">
+                <a:avLst/>
+              </a:prstGeom>
+            </p:spPr>
+            <p:style>
+              <a:lnRef idx="2">
+                <a:schemeClr val="accent1">
+                  <a:shade val="50000"/>
+                </a:schemeClr>
+              </a:lnRef>
+              <a:fillRef idx="1">
+                <a:schemeClr val="accent1"/>
+              </a:fillRef>
+              <a:effectRef idx="0">
+                <a:schemeClr val="accent1"/>
+              </a:effectRef>
+              <a:fontRef idx="minor">
+                <a:schemeClr val="lt1"/>
+              </a:fontRef>
+            </p:style>
+            <p:txBody>
+              <a:bodyPr rtlCol="0" anchor="ctr"/>
+              <a:lstStyle/>
+              <a:p>
+                <a:pPr algn="ctr"/>
+                <a:r>
+                  <a:rPr kumimoji="1" lang="en-US" altLang="ko-KR" dirty="0" smtClean="0"/>
+                  <a:t>Pre-processed Data</a:t>
+                </a:r>
+                <a:endParaRPr kumimoji="1" lang="ko-KR" altLang="en-US" dirty="0"/>
+              </a:p>
+            </p:txBody>
+          </p:sp>
+          <p:sp>
+            <p:nvSpPr>
+              <p:cNvPr id="6" name="직사각형 5"/>
+              <p:cNvSpPr/>
+              <p:nvPr/>
+            </p:nvSpPr>
+            <p:spPr>
+              <a:xfrm>
+                <a:off x="989540" y="847857"/>
+                <a:ext cx="3138616" cy="3563007"/>
+              </a:xfrm>
+              <a:prstGeom prst="rect">
+                <a:avLst/>
+              </a:prstGeom>
+              <a:noFill/>
+              <a:ln w="25400">
+                <a:prstDash val="dash"/>
+              </a:ln>
+            </p:spPr>
+            <p:style>
+              <a:lnRef idx="2">
+                <a:schemeClr val="accent1">
+                  <a:shade val="50000"/>
+                </a:schemeClr>
+              </a:lnRef>
+              <a:fillRef idx="1">
+                <a:schemeClr val="accent1"/>
+              </a:fillRef>
+              <a:effectRef idx="0">
+                <a:schemeClr val="accent1"/>
+              </a:effectRef>
+              <a:fontRef idx="minor">
+                <a:schemeClr val="lt1"/>
+              </a:fontRef>
+            </p:style>
+            <p:txBody>
+              <a:bodyPr rtlCol="0" anchor="ctr"/>
+              <a:lstStyle/>
+              <a:p>
+                <a:pPr algn="ctr"/>
+                <a:endParaRPr kumimoji="1" lang="ko-KR" altLang="en-US"/>
+              </a:p>
+            </p:txBody>
+          </p:sp>
+          <p:sp>
+            <p:nvSpPr>
+              <p:cNvPr id="7" name="텍스트 상자 6"/>
+              <p:cNvSpPr txBox="1"/>
+              <p:nvPr/>
+            </p:nvSpPr>
+            <p:spPr>
+              <a:xfrm>
+                <a:off x="2325130" y="2494764"/>
+                <a:ext cx="467436" cy="369332"/>
+              </a:xfrm>
+              <a:prstGeom prst="rect">
+                <a:avLst/>
+              </a:prstGeom>
+              <a:noFill/>
+            </p:spPr>
+            <p:txBody>
+              <a:bodyPr wrap="none" rtlCol="0">
+                <a:spAutoFit/>
+              </a:bodyPr>
+              <a:lstStyle/>
+              <a:p>
+                <a:r>
+                  <a:rPr kumimoji="1" lang="en-US" altLang="ko-KR" b="1" dirty="0" smtClean="0"/>
+                  <a:t>VS</a:t>
+                </a:r>
+                <a:endParaRPr kumimoji="1" lang="ko-KR" altLang="en-US" b="1" dirty="0"/>
+              </a:p>
+            </p:txBody>
+          </p:sp>
+        </p:grpSp>
+        <p:sp>
+          <p:nvSpPr>
+            <p:cNvPr id="23" name="텍스트 상자 22"/>
+            <p:cNvSpPr txBox="1"/>
+            <p:nvPr/>
+          </p:nvSpPr>
+          <p:spPr>
+            <a:xfrm>
+              <a:off x="495263" y="1293656"/>
+              <a:ext cx="3019869" cy="369332"/>
+            </a:xfrm>
+            <a:prstGeom prst="rect">
+              <a:avLst/>
+            </a:prstGeom>
+            <a:noFill/>
+          </p:spPr>
+          <p:txBody>
+            <a:bodyPr wrap="square" rtlCol="0">
+              <a:spAutoFit/>
+            </a:bodyPr>
+            <a:lstStyle/>
+            <a:p>
+              <a:pPr algn="ctr"/>
+              <a:r>
+                <a:rPr kumimoji="1" lang="en-US" altLang="ko-KR" b="1" dirty="0" smtClean="0">
+                  <a:solidFill>
+                    <a:schemeClr val="accent1">
+                      <a:lumMod val="75000"/>
+                    </a:schemeClr>
+                  </a:solidFill>
+                </a:rPr>
+                <a:t>POWER LOAD </a:t>
+              </a:r>
+              <a:r>
+                <a:rPr kumimoji="1" lang="en-US" altLang="ko-KR" b="1" dirty="0" smtClean="0">
+                  <a:solidFill>
+                    <a:schemeClr val="accent1">
+                      <a:lumMod val="75000"/>
+                    </a:schemeClr>
+                  </a:solidFill>
+                </a:rPr>
+                <a:t>DATA</a:t>
+              </a:r>
+              <a:endParaRPr kumimoji="1" lang="ko-KR" altLang="en-US" b="1" dirty="0">
+                <a:solidFill>
+                  <a:schemeClr val="accent1">
+                    <a:lumMod val="75000"/>
+                  </a:schemeClr>
+                </a:solidFill>
+              </a:endParaRPr>
+            </a:p>
+          </p:txBody>
+        </p:sp>
+      </p:grpSp>
+      <p:grpSp>
+        <p:nvGrpSpPr>
+          <p:cNvPr id="25" name="그룹 24"/>
+          <p:cNvGrpSpPr/>
+          <p:nvPr/>
+        </p:nvGrpSpPr>
+        <p:grpSpPr>
+          <a:xfrm>
+            <a:off x="4380115" y="85556"/>
+            <a:ext cx="3497459" cy="6558469"/>
+            <a:chOff x="4673302" y="107574"/>
+            <a:chExt cx="3497459" cy="6558469"/>
+          </a:xfrm>
+        </p:grpSpPr>
+        <p:grpSp>
+          <p:nvGrpSpPr>
+            <p:cNvPr id="21" name="그룹 20"/>
+            <p:cNvGrpSpPr/>
+            <p:nvPr/>
+          </p:nvGrpSpPr>
+          <p:grpSpPr>
+            <a:xfrm>
+              <a:off x="4673302" y="694628"/>
+              <a:ext cx="3497459" cy="5971415"/>
+              <a:chOff x="5975131" y="484764"/>
+              <a:chExt cx="3497459" cy="5971415"/>
+            </a:xfrm>
+          </p:grpSpPr>
+          <p:sp>
+            <p:nvSpPr>
+              <p:cNvPr id="8" name="텍스트 상자 7"/>
+              <p:cNvSpPr txBox="1"/>
+              <p:nvPr/>
+            </p:nvSpPr>
+            <p:spPr>
+              <a:xfrm>
+                <a:off x="7669564" y="1749530"/>
+                <a:ext cx="467436" cy="369332"/>
+              </a:xfrm>
+              <a:prstGeom prst="rect">
+                <a:avLst/>
+              </a:prstGeom>
+              <a:noFill/>
+            </p:spPr>
+            <p:txBody>
+              <a:bodyPr wrap="none" rtlCol="0">
+                <a:spAutoFit/>
+              </a:bodyPr>
+              <a:lstStyle/>
+              <a:p>
+                <a:r>
+                  <a:rPr kumimoji="1" lang="en-US" altLang="ko-KR" b="1" dirty="0" smtClean="0"/>
+                  <a:t>VS</a:t>
+                </a:r>
+                <a:endParaRPr kumimoji="1" lang="ko-KR" altLang="en-US" b="1" dirty="0"/>
+              </a:p>
+            </p:txBody>
+          </p:sp>
+          <p:sp>
+            <p:nvSpPr>
+              <p:cNvPr id="9" name="직사각형 8"/>
+              <p:cNvSpPr/>
+              <p:nvPr/>
+            </p:nvSpPr>
+            <p:spPr>
+              <a:xfrm>
+                <a:off x="6333974" y="484764"/>
+                <a:ext cx="3138616" cy="5971415"/>
+              </a:xfrm>
+              <a:prstGeom prst="rect">
+                <a:avLst/>
+              </a:prstGeom>
+              <a:noFill/>
+              <a:ln w="25400">
+                <a:prstDash val="dash"/>
+              </a:ln>
+            </p:spPr>
+            <p:style>
+              <a:lnRef idx="2">
+                <a:schemeClr val="accent1">
+                  <a:shade val="50000"/>
+                </a:schemeClr>
+              </a:lnRef>
+              <a:fillRef idx="1">
+                <a:schemeClr val="accent1"/>
+              </a:fillRef>
+              <a:effectRef idx="0">
+                <a:schemeClr val="accent1"/>
+              </a:effectRef>
+              <a:fontRef idx="minor">
+                <a:schemeClr val="lt1"/>
+              </a:fontRef>
+            </p:style>
+            <p:txBody>
+              <a:bodyPr rtlCol="0" anchor="ctr"/>
+              <a:lstStyle/>
+              <a:p>
+                <a:pPr algn="ctr"/>
+                <a:endParaRPr kumimoji="1" lang="ko-KR" altLang="en-US"/>
+              </a:p>
+            </p:txBody>
+          </p:sp>
+          <p:sp>
+            <p:nvSpPr>
+              <p:cNvPr id="10" name="모서리가 둥근 직사각형 9"/>
+              <p:cNvSpPr/>
+              <p:nvPr/>
+            </p:nvSpPr>
+            <p:spPr>
+              <a:xfrm>
+                <a:off x="6920920" y="847857"/>
+                <a:ext cx="1964724" cy="712929"/>
+              </a:xfrm>
+              <a:prstGeom prst="roundRect">
+                <a:avLst/>
+              </a:prstGeom>
+            </p:spPr>
+            <p:style>
+              <a:lnRef idx="2">
+                <a:schemeClr val="accent1">
+                  <a:shade val="50000"/>
+                </a:schemeClr>
+              </a:lnRef>
+              <a:fillRef idx="1">
+                <a:schemeClr val="accent1"/>
+              </a:fillRef>
+              <a:effectRef idx="0">
+                <a:schemeClr val="accent1"/>
+              </a:effectRef>
+              <a:fontRef idx="minor">
+                <a:schemeClr val="lt1"/>
+              </a:fontRef>
+            </p:style>
+            <p:txBody>
+              <a:bodyPr rtlCol="0" anchor="ctr"/>
+              <a:lstStyle/>
+              <a:p>
+                <a:pPr algn="ctr"/>
+                <a:r>
+                  <a:rPr kumimoji="1" lang="en-US" altLang="ko-KR" sz="1600" dirty="0" smtClean="0"/>
+                  <a:t>Single Layer </a:t>
+                </a:r>
+                <a:r>
+                  <a:rPr kumimoji="1" lang="en-US" altLang="ko-KR" sz="1600" dirty="0" smtClean="0"/>
+                  <a:t>Perceptron Network</a:t>
+                </a:r>
+                <a:endParaRPr kumimoji="1" lang="ko-KR" altLang="en-US" sz="1600" dirty="0"/>
+              </a:p>
+            </p:txBody>
+          </p:sp>
+          <p:sp>
+            <p:nvSpPr>
+              <p:cNvPr id="14" name="모서리가 둥근 직사각형 13"/>
+              <p:cNvSpPr/>
+              <p:nvPr/>
+            </p:nvSpPr>
+            <p:spPr>
+              <a:xfrm>
+                <a:off x="6920920" y="2307606"/>
+                <a:ext cx="1964724" cy="712929"/>
+              </a:xfrm>
+              <a:prstGeom prst="roundRect">
+                <a:avLst/>
+              </a:prstGeom>
+            </p:spPr>
+            <p:style>
+              <a:lnRef idx="2">
+                <a:schemeClr val="accent1">
+                  <a:shade val="50000"/>
+                </a:schemeClr>
+              </a:lnRef>
+              <a:fillRef idx="1">
+                <a:schemeClr val="accent1"/>
+              </a:fillRef>
+              <a:effectRef idx="0">
+                <a:schemeClr val="accent1"/>
+              </a:effectRef>
+              <a:fontRef idx="minor">
+                <a:schemeClr val="lt1"/>
+              </a:fontRef>
+            </p:style>
+            <p:txBody>
+              <a:bodyPr rtlCol="0" anchor="ctr"/>
+              <a:lstStyle/>
+              <a:p>
+                <a:pPr algn="ctr"/>
+                <a:r>
+                  <a:rPr kumimoji="1" lang="en-US" altLang="ko-KR" sz="1600" dirty="0" smtClean="0"/>
+                  <a:t>Multiple </a:t>
+                </a:r>
+                <a:r>
+                  <a:rPr kumimoji="1" lang="en-US" altLang="ko-KR" sz="1600" dirty="0"/>
+                  <a:t>Layer </a:t>
+                </a:r>
+                <a:r>
+                  <a:rPr kumimoji="1" lang="en-US" altLang="ko-KR" sz="1600" dirty="0" smtClean="0"/>
+                  <a:t>Perceptron Network</a:t>
+                </a:r>
+                <a:endParaRPr kumimoji="1" lang="ko-KR" altLang="en-US" sz="1600" dirty="0"/>
+              </a:p>
+            </p:txBody>
+          </p:sp>
+          <p:sp>
+            <p:nvSpPr>
+              <p:cNvPr id="15" name="모서리가 둥근 직사각형 14"/>
+              <p:cNvSpPr/>
+              <p:nvPr/>
+            </p:nvSpPr>
+            <p:spPr>
+              <a:xfrm>
+                <a:off x="6920920" y="3767355"/>
+                <a:ext cx="1964724" cy="712929"/>
+              </a:xfrm>
+              <a:prstGeom prst="roundRect">
+                <a:avLst/>
+              </a:prstGeom>
+            </p:spPr>
+            <p:style>
+              <a:lnRef idx="2">
+                <a:schemeClr val="accent1">
+                  <a:shade val="50000"/>
+                </a:schemeClr>
+              </a:lnRef>
+              <a:fillRef idx="1">
+                <a:schemeClr val="accent1"/>
+              </a:fillRef>
+              <a:effectRef idx="0">
+                <a:schemeClr val="accent1"/>
+              </a:effectRef>
+              <a:fontRef idx="minor">
+                <a:schemeClr val="lt1"/>
+              </a:fontRef>
+            </p:style>
+            <p:txBody>
+              <a:bodyPr rtlCol="0" anchor="ctr"/>
+              <a:lstStyle/>
+              <a:p>
+                <a:pPr algn="ctr"/>
+                <a:r>
+                  <a:rPr kumimoji="1" lang="en-US" altLang="ko-KR" dirty="0" smtClean="0"/>
+                  <a:t>Convolutional Neural Network</a:t>
+                </a:r>
+                <a:endParaRPr kumimoji="1" lang="ko-KR" altLang="en-US" dirty="0"/>
+              </a:p>
+            </p:txBody>
+          </p:sp>
+          <p:sp>
+            <p:nvSpPr>
+              <p:cNvPr id="16" name="모서리가 둥근 직사각형 15"/>
+              <p:cNvSpPr/>
+              <p:nvPr/>
+            </p:nvSpPr>
+            <p:spPr>
+              <a:xfrm>
+                <a:off x="6920920" y="5227104"/>
+                <a:ext cx="1964724" cy="712929"/>
+              </a:xfrm>
+              <a:prstGeom prst="roundRect">
+                <a:avLst/>
+              </a:prstGeom>
+            </p:spPr>
+            <p:style>
+              <a:lnRef idx="2">
+                <a:schemeClr val="accent1">
+                  <a:shade val="50000"/>
+                </a:schemeClr>
+              </a:lnRef>
+              <a:fillRef idx="1">
+                <a:schemeClr val="accent1"/>
+              </a:fillRef>
+              <a:effectRef idx="0">
+                <a:schemeClr val="accent1"/>
+              </a:effectRef>
+              <a:fontRef idx="minor">
+                <a:schemeClr val="lt1"/>
+              </a:fontRef>
+            </p:style>
+            <p:txBody>
+              <a:bodyPr rtlCol="0" anchor="ctr"/>
+              <a:lstStyle/>
+              <a:p>
+                <a:pPr algn="ctr"/>
+                <a:r>
+                  <a:rPr kumimoji="1" lang="en-US" altLang="ko-KR" dirty="0" smtClean="0"/>
+                  <a:t>Recurrent Neural </a:t>
+                </a:r>
+                <a:r>
+                  <a:rPr kumimoji="1" lang="en-US" altLang="ko-KR" dirty="0"/>
+                  <a:t>Network</a:t>
+                </a:r>
+                <a:endParaRPr kumimoji="1" lang="ko-KR" altLang="en-US" dirty="0"/>
+              </a:p>
+            </p:txBody>
+          </p:sp>
+          <p:sp>
+            <p:nvSpPr>
+              <p:cNvPr id="17" name="텍스트 상자 16"/>
+              <p:cNvSpPr txBox="1"/>
+              <p:nvPr/>
+            </p:nvSpPr>
+            <p:spPr>
+              <a:xfrm>
+                <a:off x="7669564" y="3209279"/>
+                <a:ext cx="467436" cy="369332"/>
+              </a:xfrm>
+              <a:prstGeom prst="rect">
+                <a:avLst/>
+              </a:prstGeom>
+              <a:noFill/>
+            </p:spPr>
+            <p:txBody>
+              <a:bodyPr wrap="none" rtlCol="0">
+                <a:spAutoFit/>
+              </a:bodyPr>
+              <a:lstStyle/>
+              <a:p>
+                <a:r>
+                  <a:rPr kumimoji="1" lang="en-US" altLang="ko-KR" b="1" dirty="0" smtClean="0"/>
+                  <a:t>VS</a:t>
+                </a:r>
+                <a:endParaRPr kumimoji="1" lang="ko-KR" altLang="en-US" b="1" dirty="0"/>
+              </a:p>
+            </p:txBody>
+          </p:sp>
+          <p:sp>
+            <p:nvSpPr>
+              <p:cNvPr id="18" name="텍스트 상자 17"/>
+              <p:cNvSpPr txBox="1"/>
+              <p:nvPr/>
+            </p:nvSpPr>
+            <p:spPr>
+              <a:xfrm>
+                <a:off x="7669564" y="4675311"/>
+                <a:ext cx="467436" cy="369332"/>
+              </a:xfrm>
+              <a:prstGeom prst="rect">
+                <a:avLst/>
+              </a:prstGeom>
+              <a:noFill/>
+            </p:spPr>
+            <p:txBody>
+              <a:bodyPr wrap="none" rtlCol="0">
+                <a:spAutoFit/>
+              </a:bodyPr>
+              <a:lstStyle/>
+              <a:p>
+                <a:r>
+                  <a:rPr kumimoji="1" lang="en-US" altLang="ko-KR" b="1" dirty="0" smtClean="0"/>
+                  <a:t>VS</a:t>
+                </a:r>
+                <a:endParaRPr kumimoji="1" lang="ko-KR" altLang="en-US" b="1" dirty="0"/>
+              </a:p>
+            </p:txBody>
+          </p:sp>
+          <p:sp>
+            <p:nvSpPr>
+              <p:cNvPr id="20" name="텍스트 상자 19"/>
+              <p:cNvSpPr txBox="1"/>
+              <p:nvPr/>
+            </p:nvSpPr>
+            <p:spPr>
+              <a:xfrm>
+                <a:off x="5975131" y="1481959"/>
+                <a:ext cx="184731" cy="369332"/>
+              </a:xfrm>
+              <a:prstGeom prst="rect">
+                <a:avLst/>
+              </a:prstGeom>
+              <a:noFill/>
+            </p:spPr>
+            <p:txBody>
+              <a:bodyPr wrap="none" rtlCol="0">
+                <a:spAutoFit/>
+              </a:bodyPr>
+              <a:lstStyle/>
+              <a:p>
+                <a:endParaRPr kumimoji="1" lang="ko-KR" altLang="en-US" dirty="0"/>
+              </a:p>
+            </p:txBody>
+          </p:sp>
+        </p:grpSp>
+        <p:sp>
+          <p:nvSpPr>
+            <p:cNvPr id="24" name="텍스트 상자 23"/>
+            <p:cNvSpPr txBox="1"/>
+            <p:nvPr/>
+          </p:nvSpPr>
+          <p:spPr>
+            <a:xfrm>
+              <a:off x="5758225" y="107574"/>
+              <a:ext cx="1686455" cy="646331"/>
+            </a:xfrm>
+            <a:prstGeom prst="rect">
+              <a:avLst/>
+            </a:prstGeom>
+            <a:noFill/>
+          </p:spPr>
+          <p:txBody>
+            <a:bodyPr wrap="square" rtlCol="0">
+              <a:spAutoFit/>
+            </a:bodyPr>
+            <a:lstStyle/>
+            <a:p>
+              <a:pPr algn="ctr"/>
+              <a:r>
+                <a:rPr kumimoji="1" lang="en-US" altLang="ko-KR" b="1" dirty="0" smtClean="0">
+                  <a:solidFill>
+                    <a:schemeClr val="accent1">
+                      <a:lumMod val="75000"/>
+                    </a:schemeClr>
+                  </a:solidFill>
+                </a:rPr>
+                <a:t>LEARNING ALGORITHM</a:t>
+              </a:r>
+              <a:endParaRPr kumimoji="1" lang="ko-KR" altLang="en-US" b="1" dirty="0">
+                <a:solidFill>
+                  <a:schemeClr val="accent1">
+                    <a:lumMod val="75000"/>
+                  </a:schemeClr>
+                </a:solidFill>
+              </a:endParaRPr>
+            </a:p>
+          </p:txBody>
+        </p:sp>
+      </p:grpSp>
+      <p:grpSp>
+        <p:nvGrpSpPr>
+          <p:cNvPr id="33" name="그룹 32"/>
+          <p:cNvGrpSpPr/>
+          <p:nvPr/>
+        </p:nvGrpSpPr>
+        <p:grpSpPr>
+          <a:xfrm>
+            <a:off x="8213445" y="1674305"/>
+            <a:ext cx="1657161" cy="3652658"/>
+            <a:chOff x="8384582" y="1748632"/>
+            <a:chExt cx="1657161" cy="3652658"/>
+          </a:xfrm>
+        </p:grpSpPr>
+        <p:sp>
+          <p:nvSpPr>
+            <p:cNvPr id="31" name="위쪽/아래쪽 화살표[U] 30"/>
+            <p:cNvSpPr/>
+            <p:nvPr/>
+          </p:nvSpPr>
+          <p:spPr>
+            <a:xfrm>
+              <a:off x="8448534" y="1748632"/>
+              <a:ext cx="1529255" cy="3652658"/>
+            </a:xfrm>
+            <a:prstGeom prst="upDownArrow">
+              <a:avLst/>
+            </a:prstGeom>
+            <a:noFill/>
+          </p:spPr>
+          <p:style>
+            <a:lnRef idx="2">
+              <a:schemeClr val="accent1">
+                <a:shade val="50000"/>
+              </a:schemeClr>
+            </a:lnRef>
+            <a:fillRef idx="1">
+              <a:schemeClr val="accent1"/>
+            </a:fillRef>
+            <a:effectRef idx="0">
+              <a:schemeClr val="accent1"/>
+            </a:effectRef>
+            <a:fontRef idx="minor">
+              <a:schemeClr val="lt1"/>
+            </a:fontRef>
+          </p:style>
+          <p:txBody>
+            <a:bodyPr rtlCol="0" anchor="ctr"/>
+            <a:lstStyle/>
+            <a:p>
+              <a:pPr algn="ctr"/>
+              <a:endParaRPr kumimoji="1" lang="ko-KR" altLang="en-US"/>
+            </a:p>
+          </p:txBody>
+        </p:sp>
+        <p:sp>
+          <p:nvSpPr>
+            <p:cNvPr id="32" name="직사각형 31"/>
+            <p:cNvSpPr/>
+            <p:nvPr/>
+          </p:nvSpPr>
+          <p:spPr>
+            <a:xfrm>
+              <a:off x="8384582" y="3081459"/>
+              <a:ext cx="1657161" cy="828420"/>
+            </a:xfrm>
+            <a:prstGeom prst="rect">
+              <a:avLst/>
+            </a:prstGeom>
+            <a:solidFill>
+              <a:schemeClr val="bg1"/>
+            </a:solidFill>
+          </p:spPr>
+          <p:style>
+            <a:lnRef idx="2">
+              <a:schemeClr val="accent1">
+                <a:shade val="50000"/>
+              </a:schemeClr>
+            </a:lnRef>
+            <a:fillRef idx="1">
+              <a:schemeClr val="accent1"/>
+            </a:fillRef>
+            <a:effectRef idx="0">
+              <a:schemeClr val="accent1"/>
+            </a:effectRef>
+            <a:fontRef idx="minor">
+              <a:schemeClr val="lt1"/>
+            </a:fontRef>
+          </p:style>
+          <p:txBody>
+            <a:bodyPr rtlCol="0" anchor="ctr"/>
+            <a:lstStyle/>
+            <a:p>
+              <a:pPr algn="ctr"/>
+              <a:r>
+                <a:rPr kumimoji="1" lang="en-US" altLang="ko-KR" b="1" dirty="0" smtClean="0">
+                  <a:solidFill>
+                    <a:schemeClr val="accent1">
+                      <a:lumMod val="75000"/>
+                    </a:schemeClr>
+                  </a:solidFill>
+                </a:rPr>
+                <a:t>Performance Compare</a:t>
+              </a:r>
+              <a:endParaRPr kumimoji="1" lang="ko-KR" altLang="en-US" b="1" dirty="0">
+                <a:solidFill>
+                  <a:schemeClr val="accent1">
+                    <a:lumMod val="75000"/>
+                  </a:schemeClr>
+                </a:solidFill>
+              </a:endParaRPr>
+            </a:p>
+          </p:txBody>
+        </p:sp>
+      </p:grpSp>
+    </p:spTree>
+    <p:extLst>
+      <p:ext uri="{BB962C8B-B14F-4D97-AF65-F5344CB8AC3E}">
+        <p14:creationId xmlns:p14="http://schemas.microsoft.com/office/powerpoint/2010/main" val="1534412268"/>
+      </p:ext>
+    </p:extLst>
+  </p:cSld>
+  <p:clrMapOvr>
+    <a:masterClrMapping/>
+  </p:clrMapOvr>
+  <p:timing>
+    <p:tnLst>
+      <p:par>
+        <p:cTn id="1" dur="indefinite" restart="never" nodeType="tmRoot"/>
+      </p:par>
+    </p:tnLst>
+  </p:timing>
+</p:sld>
+</file>
+
+<file path=ppt/slides/slide3.xml><?xml version="1.0" encoding="utf-8"?>
 <p:sld xmlns:a="http://schemas.openxmlformats.org/drawingml/2006/main" xmlns:r="http://schemas.openxmlformats.org/officeDocument/2006/relationships" xmlns:p="http://schemas.openxmlformats.org/presentationml/2006/main">
   <p:cSld>
     <p:spTree>
@@ -4872,6 +5742,13 @@
   <p:clrMapOvr>
     <a:masterClrMapping/>
   </p:clrMapOvr>
+  <p:timing>
+    <p:tnLst>
+      <p:par>
+        <p:cTn id="1" dur="indefinite" restart="never" nodeType="tmRoot"/>
+      </p:par>
+    </p:tnLst>
+  </p:timing>
 </p:sld>
 </file>
 

--- a/etc/pic.pptx
+++ b/etc/pic.pptx
@@ -5,12 +5,13 @@
     <p:sldMasterId id="2147483648" r:id="rId1"/>
   </p:sldMasterIdLst>
   <p:notesMasterIdLst>
-    <p:notesMasterId r:id="rId5"/>
+    <p:notesMasterId r:id="rId6"/>
   </p:notesMasterIdLst>
   <p:sldIdLst>
     <p:sldId id="256" r:id="rId2"/>
     <p:sldId id="258" r:id="rId3"/>
-    <p:sldId id="257" r:id="rId4"/>
+    <p:sldId id="259" r:id="rId4"/>
+    <p:sldId id="257" r:id="rId5"/>
   </p:sldIdLst>
   <p:sldSz cx="12192000" cy="6858000"/>
   <p:notesSz cx="6858000" cy="9144000"/>
@@ -199,7 +200,7 @@
           <a:p>
             <a:fld id="{FCE1B6AD-6303-444C-9C52-BC8C2CF7134E}" type="datetimeFigureOut">
               <a:rPr kumimoji="1" lang="ko-KR" altLang="en-US" smtClean="0"/>
-              <a:t>2017. 4. 28.</a:t>
+              <a:t>2017. 5. 14.</a:t>
             </a:fld>
             <a:endParaRPr kumimoji="1" lang="ko-KR" altLang="en-US"/>
           </a:p>
@@ -598,7 +599,7 @@
           <a:p>
             <a:fld id="{1C635CAC-6453-3E48-9AD4-4AF16892EDFD}" type="datetimeFigureOut">
               <a:rPr kumimoji="1" lang="ko-KR" altLang="en-US" smtClean="0"/>
-              <a:t>2017. 4. 28.</a:t>
+              <a:t>2017. 5. 14.</a:t>
             </a:fld>
             <a:endParaRPr kumimoji="1" lang="ko-KR" altLang="en-US"/>
           </a:p>
@@ -768,7 +769,7 @@
           <a:p>
             <a:fld id="{1C635CAC-6453-3E48-9AD4-4AF16892EDFD}" type="datetimeFigureOut">
               <a:rPr kumimoji="1" lang="ko-KR" altLang="en-US" smtClean="0"/>
-              <a:t>2017. 4. 28.</a:t>
+              <a:t>2017. 5. 14.</a:t>
             </a:fld>
             <a:endParaRPr kumimoji="1" lang="ko-KR" altLang="en-US"/>
           </a:p>
@@ -948,7 +949,7 @@
           <a:p>
             <a:fld id="{1C635CAC-6453-3E48-9AD4-4AF16892EDFD}" type="datetimeFigureOut">
               <a:rPr kumimoji="1" lang="ko-KR" altLang="en-US" smtClean="0"/>
-              <a:t>2017. 4. 28.</a:t>
+              <a:t>2017. 5. 14.</a:t>
             </a:fld>
             <a:endParaRPr kumimoji="1" lang="ko-KR" altLang="en-US"/>
           </a:p>
@@ -1118,7 +1119,7 @@
           <a:p>
             <a:fld id="{1C635CAC-6453-3E48-9AD4-4AF16892EDFD}" type="datetimeFigureOut">
               <a:rPr kumimoji="1" lang="ko-KR" altLang="en-US" smtClean="0"/>
-              <a:t>2017. 4. 28.</a:t>
+              <a:t>2017. 5. 14.</a:t>
             </a:fld>
             <a:endParaRPr kumimoji="1" lang="ko-KR" altLang="en-US"/>
           </a:p>
@@ -1364,7 +1365,7 @@
           <a:p>
             <a:fld id="{1C635CAC-6453-3E48-9AD4-4AF16892EDFD}" type="datetimeFigureOut">
               <a:rPr kumimoji="1" lang="ko-KR" altLang="en-US" smtClean="0"/>
-              <a:t>2017. 4. 28.</a:t>
+              <a:t>2017. 5. 14.</a:t>
             </a:fld>
             <a:endParaRPr kumimoji="1" lang="ko-KR" altLang="en-US"/>
           </a:p>
@@ -1596,7 +1597,7 @@
           <a:p>
             <a:fld id="{1C635CAC-6453-3E48-9AD4-4AF16892EDFD}" type="datetimeFigureOut">
               <a:rPr kumimoji="1" lang="ko-KR" altLang="en-US" smtClean="0"/>
-              <a:t>2017. 4. 28.</a:t>
+              <a:t>2017. 5. 14.</a:t>
             </a:fld>
             <a:endParaRPr kumimoji="1" lang="ko-KR" altLang="en-US"/>
           </a:p>
@@ -1963,7 +1964,7 @@
           <a:p>
             <a:fld id="{1C635CAC-6453-3E48-9AD4-4AF16892EDFD}" type="datetimeFigureOut">
               <a:rPr kumimoji="1" lang="ko-KR" altLang="en-US" smtClean="0"/>
-              <a:t>2017. 4. 28.</a:t>
+              <a:t>2017. 5. 14.</a:t>
             </a:fld>
             <a:endParaRPr kumimoji="1" lang="ko-KR" altLang="en-US"/>
           </a:p>
@@ -2081,7 +2082,7 @@
           <a:p>
             <a:fld id="{1C635CAC-6453-3E48-9AD4-4AF16892EDFD}" type="datetimeFigureOut">
               <a:rPr kumimoji="1" lang="ko-KR" altLang="en-US" smtClean="0"/>
-              <a:t>2017. 4. 28.</a:t>
+              <a:t>2017. 5. 14.</a:t>
             </a:fld>
             <a:endParaRPr kumimoji="1" lang="ko-KR" altLang="en-US"/>
           </a:p>
@@ -2176,7 +2177,7 @@
           <a:p>
             <a:fld id="{1C635CAC-6453-3E48-9AD4-4AF16892EDFD}" type="datetimeFigureOut">
               <a:rPr kumimoji="1" lang="ko-KR" altLang="en-US" smtClean="0"/>
-              <a:t>2017. 4. 28.</a:t>
+              <a:t>2017. 5. 14.</a:t>
             </a:fld>
             <a:endParaRPr kumimoji="1" lang="ko-KR" altLang="en-US"/>
           </a:p>
@@ -2453,7 +2454,7 @@
           <a:p>
             <a:fld id="{1C635CAC-6453-3E48-9AD4-4AF16892EDFD}" type="datetimeFigureOut">
               <a:rPr kumimoji="1" lang="ko-KR" altLang="en-US" smtClean="0"/>
-              <a:t>2017. 4. 28.</a:t>
+              <a:t>2017. 5. 14.</a:t>
             </a:fld>
             <a:endParaRPr kumimoji="1" lang="ko-KR" altLang="en-US"/>
           </a:p>
@@ -2706,7 +2707,7 @@
           <a:p>
             <a:fld id="{1C635CAC-6453-3E48-9AD4-4AF16892EDFD}" type="datetimeFigureOut">
               <a:rPr kumimoji="1" lang="ko-KR" altLang="en-US" smtClean="0"/>
-              <a:t>2017. 4. 28.</a:t>
+              <a:t>2017. 5. 14.</a:t>
             </a:fld>
             <a:endParaRPr kumimoji="1" lang="ko-KR" altLang="en-US"/>
           </a:p>
@@ -2919,7 +2920,7 @@
           <a:p>
             <a:fld id="{1C635CAC-6453-3E48-9AD4-4AF16892EDFD}" type="datetimeFigureOut">
               <a:rPr kumimoji="1" lang="ko-KR" altLang="en-US" smtClean="0"/>
-              <a:t>2017. 4. 28.</a:t>
+              <a:t>2017. 5. 14.</a:t>
             </a:fld>
             <a:endParaRPr kumimoji="1" lang="ko-KR" altLang="en-US"/>
           </a:p>
@@ -4422,17 +4423,7 @@
                     </a:schemeClr>
                   </a:solidFill>
                 </a:rPr>
-                <a:t>POWER LOAD </a:t>
-              </a:r>
-              <a:r>
-                <a:rPr kumimoji="1" lang="en-US" altLang="ko-KR" b="1" dirty="0" smtClean="0">
-                  <a:solidFill>
-                    <a:schemeClr val="accent1">
-                      <a:lumMod val="75000"/>
-                    </a:schemeClr>
-                  </a:solidFill>
-                </a:rPr>
-                <a:t>DATA</a:t>
+                <a:t>POWER LOAD DATA</a:t>
               </a:r>
               <a:endParaRPr kumimoji="1" lang="ko-KR" altLang="en-US" b="1" dirty="0">
                 <a:solidFill>
@@ -4585,11 +4576,7 @@
                 <a:pPr algn="ctr"/>
                 <a:r>
                   <a:rPr kumimoji="1" lang="en-US" altLang="ko-KR" sz="1600" dirty="0" smtClean="0"/>
-                  <a:t>Single Layer </a:t>
-                </a:r>
-                <a:r>
-                  <a:rPr kumimoji="1" lang="en-US" altLang="ko-KR" sz="1600" dirty="0" smtClean="0"/>
-                  <a:t>Perceptron Network</a:t>
+                  <a:t>Single Layer Perceptron Network</a:t>
                 </a:r>
                 <a:endParaRPr kumimoji="1" lang="ko-KR" altLang="en-US" sz="1600" dirty="0"/>
               </a:p>
@@ -5006,6 +4993,857 @@
 </file>
 
 <file path=ppt/slides/slide3.xml><?xml version="1.0" encoding="utf-8"?>
+<p:sld xmlns:a="http://schemas.openxmlformats.org/drawingml/2006/main" xmlns:r="http://schemas.openxmlformats.org/officeDocument/2006/relationships" xmlns:p="http://schemas.openxmlformats.org/presentationml/2006/main">
+  <p:cSld>
+    <p:spTree>
+      <p:nvGrpSpPr>
+        <p:cNvPr id="1" name=""/>
+        <p:cNvGrpSpPr/>
+        <p:nvPr/>
+      </p:nvGrpSpPr>
+      <p:grpSpPr>
+        <a:xfrm>
+          <a:off x="0" y="0"/>
+          <a:ext cx="0" cy="0"/>
+          <a:chOff x="0" y="0"/>
+          <a:chExt cx="0" cy="0"/>
+        </a:xfrm>
+      </p:grpSpPr>
+      <p:sp>
+        <p:nvSpPr>
+          <p:cNvPr id="22" name="오른쪽 화살표[R] 21"/>
+          <p:cNvSpPr/>
+          <p:nvPr/>
+        </p:nvSpPr>
+        <p:spPr>
+          <a:xfrm>
+            <a:off x="3828411" y="3168758"/>
+            <a:ext cx="748644" cy="653823"/>
+          </a:xfrm>
+          <a:prstGeom prst="rightArrow">
+            <a:avLst/>
+          </a:prstGeom>
+        </p:spPr>
+        <p:style>
+          <a:lnRef idx="2">
+            <a:schemeClr val="accent1">
+              <a:shade val="50000"/>
+            </a:schemeClr>
+          </a:lnRef>
+          <a:fillRef idx="1">
+            <a:schemeClr val="accent1"/>
+          </a:fillRef>
+          <a:effectRef idx="0">
+            <a:schemeClr val="accent1"/>
+          </a:effectRef>
+          <a:fontRef idx="minor">
+            <a:schemeClr val="lt1"/>
+          </a:fontRef>
+        </p:style>
+        <p:txBody>
+          <a:bodyPr rtlCol="0" anchor="ctr"/>
+          <a:lstStyle/>
+          <a:p>
+            <a:pPr algn="ctr"/>
+            <a:endParaRPr kumimoji="1" lang="ko-KR" altLang="en-US"/>
+          </a:p>
+        </p:txBody>
+      </p:sp>
+      <p:grpSp>
+        <p:nvGrpSpPr>
+          <p:cNvPr id="26" name="그룹 25"/>
+          <p:cNvGrpSpPr/>
+          <p:nvPr/>
+        </p:nvGrpSpPr>
+        <p:grpSpPr>
+          <a:xfrm>
+            <a:off x="435890" y="1311585"/>
+            <a:ext cx="3138616" cy="3915519"/>
+            <a:chOff x="435890" y="1311585"/>
+            <a:chExt cx="3138616" cy="3915519"/>
+          </a:xfrm>
+        </p:grpSpPr>
+        <p:grpSp>
+          <p:nvGrpSpPr>
+            <p:cNvPr id="19" name="그룹 18"/>
+            <p:cNvGrpSpPr/>
+            <p:nvPr/>
+          </p:nvGrpSpPr>
+          <p:grpSpPr>
+            <a:xfrm>
+              <a:off x="435890" y="1748632"/>
+              <a:ext cx="3138616" cy="3478472"/>
+              <a:chOff x="989540" y="932392"/>
+              <a:chExt cx="3138616" cy="3478472"/>
+            </a:xfrm>
+          </p:grpSpPr>
+          <p:sp>
+            <p:nvSpPr>
+              <p:cNvPr id="4" name="모서리가 둥근 직사각형 3"/>
+              <p:cNvSpPr/>
+              <p:nvPr/>
+            </p:nvSpPr>
+            <p:spPr>
+              <a:xfrm>
+                <a:off x="1639122" y="1393509"/>
+                <a:ext cx="1839452" cy="862389"/>
+              </a:xfrm>
+              <a:prstGeom prst="roundRect">
+                <a:avLst/>
+              </a:prstGeom>
+            </p:spPr>
+            <p:style>
+              <a:lnRef idx="2">
+                <a:schemeClr val="accent1">
+                  <a:shade val="50000"/>
+                </a:schemeClr>
+              </a:lnRef>
+              <a:fillRef idx="1">
+                <a:schemeClr val="accent1"/>
+              </a:fillRef>
+              <a:effectRef idx="0">
+                <a:schemeClr val="accent1"/>
+              </a:effectRef>
+              <a:fontRef idx="minor">
+                <a:schemeClr val="lt1"/>
+              </a:fontRef>
+            </p:style>
+            <p:txBody>
+              <a:bodyPr rtlCol="0" anchor="ctr"/>
+              <a:lstStyle/>
+              <a:p>
+                <a:pPr algn="ctr"/>
+                <a:r>
+                  <a:rPr kumimoji="1" lang="en-US" altLang="ko-KR" dirty="0" smtClean="0"/>
+                  <a:t>Raw Data</a:t>
+                </a:r>
+                <a:endParaRPr kumimoji="1" lang="ko-KR" altLang="en-US" dirty="0"/>
+              </a:p>
+            </p:txBody>
+          </p:sp>
+          <p:sp>
+            <p:nvSpPr>
+              <p:cNvPr id="5" name="모서리가 둥근 직사각형 4"/>
+              <p:cNvSpPr/>
+              <p:nvPr/>
+            </p:nvSpPr>
+            <p:spPr>
+              <a:xfrm>
+                <a:off x="1576486" y="3046862"/>
+                <a:ext cx="1844631" cy="847221"/>
+              </a:xfrm>
+              <a:prstGeom prst="roundRect">
+                <a:avLst/>
+              </a:prstGeom>
+            </p:spPr>
+            <p:style>
+              <a:lnRef idx="2">
+                <a:schemeClr val="accent1">
+                  <a:shade val="50000"/>
+                </a:schemeClr>
+              </a:lnRef>
+              <a:fillRef idx="1">
+                <a:schemeClr val="accent1"/>
+              </a:fillRef>
+              <a:effectRef idx="0">
+                <a:schemeClr val="accent1"/>
+              </a:effectRef>
+              <a:fontRef idx="minor">
+                <a:schemeClr val="lt1"/>
+              </a:fontRef>
+            </p:style>
+            <p:txBody>
+              <a:bodyPr rtlCol="0" anchor="ctr"/>
+              <a:lstStyle/>
+              <a:p>
+                <a:pPr algn="ctr"/>
+                <a:r>
+                  <a:rPr kumimoji="1" lang="en-US" altLang="ko-KR" dirty="0" smtClean="0"/>
+                  <a:t>Pre-processed Data</a:t>
+                </a:r>
+                <a:endParaRPr kumimoji="1" lang="ko-KR" altLang="en-US" dirty="0"/>
+              </a:p>
+            </p:txBody>
+          </p:sp>
+          <p:sp>
+            <p:nvSpPr>
+              <p:cNvPr id="6" name="직사각형 5"/>
+              <p:cNvSpPr/>
+              <p:nvPr/>
+            </p:nvSpPr>
+            <p:spPr>
+              <a:xfrm>
+                <a:off x="989540" y="932392"/>
+                <a:ext cx="3138616" cy="3478472"/>
+              </a:xfrm>
+              <a:prstGeom prst="rect">
+                <a:avLst/>
+              </a:prstGeom>
+              <a:noFill/>
+              <a:ln w="25400">
+                <a:prstDash val="dash"/>
+              </a:ln>
+            </p:spPr>
+            <p:style>
+              <a:lnRef idx="2">
+                <a:schemeClr val="accent1">
+                  <a:shade val="50000"/>
+                </a:schemeClr>
+              </a:lnRef>
+              <a:fillRef idx="1">
+                <a:schemeClr val="accent1"/>
+              </a:fillRef>
+              <a:effectRef idx="0">
+                <a:schemeClr val="accent1"/>
+              </a:effectRef>
+              <a:fontRef idx="minor">
+                <a:schemeClr val="lt1"/>
+              </a:fontRef>
+            </p:style>
+            <p:txBody>
+              <a:bodyPr rtlCol="0" anchor="ctr"/>
+              <a:lstStyle/>
+              <a:p>
+                <a:pPr algn="ctr"/>
+                <a:endParaRPr kumimoji="1" lang="ko-KR" altLang="en-US"/>
+              </a:p>
+            </p:txBody>
+          </p:sp>
+          <p:sp>
+            <p:nvSpPr>
+              <p:cNvPr id="7" name="텍스트 상자 6"/>
+              <p:cNvSpPr txBox="1"/>
+              <p:nvPr/>
+            </p:nvSpPr>
+            <p:spPr>
+              <a:xfrm>
+                <a:off x="2325130" y="2494764"/>
+                <a:ext cx="467436" cy="369332"/>
+              </a:xfrm>
+              <a:prstGeom prst="rect">
+                <a:avLst/>
+              </a:prstGeom>
+              <a:noFill/>
+            </p:spPr>
+            <p:txBody>
+              <a:bodyPr wrap="none" rtlCol="0">
+                <a:spAutoFit/>
+              </a:bodyPr>
+              <a:lstStyle/>
+              <a:p>
+                <a:r>
+                  <a:rPr kumimoji="1" lang="en-US" altLang="ko-KR" b="1" dirty="0" smtClean="0"/>
+                  <a:t>VS</a:t>
+                </a:r>
+                <a:endParaRPr kumimoji="1" lang="ko-KR" altLang="en-US" b="1" dirty="0"/>
+              </a:p>
+            </p:txBody>
+          </p:sp>
+        </p:grpSp>
+        <p:sp>
+          <p:nvSpPr>
+            <p:cNvPr id="23" name="텍스트 상자 22"/>
+            <p:cNvSpPr txBox="1"/>
+            <p:nvPr/>
+          </p:nvSpPr>
+          <p:spPr>
+            <a:xfrm>
+              <a:off x="495263" y="1311585"/>
+              <a:ext cx="3019869" cy="369332"/>
+            </a:xfrm>
+            <a:prstGeom prst="rect">
+              <a:avLst/>
+            </a:prstGeom>
+            <a:noFill/>
+          </p:spPr>
+          <p:txBody>
+            <a:bodyPr wrap="square" rtlCol="0">
+              <a:spAutoFit/>
+            </a:bodyPr>
+            <a:lstStyle/>
+            <a:p>
+              <a:pPr algn="ctr"/>
+              <a:r>
+                <a:rPr kumimoji="1" lang="en-US" altLang="ko-KR" b="1" dirty="0" smtClean="0">
+                  <a:solidFill>
+                    <a:schemeClr val="accent1">
+                      <a:lumMod val="75000"/>
+                    </a:schemeClr>
+                  </a:solidFill>
+                </a:rPr>
+                <a:t>POWER LOAD DATA</a:t>
+              </a:r>
+              <a:endParaRPr kumimoji="1" lang="ko-KR" altLang="en-US" b="1" dirty="0">
+                <a:solidFill>
+                  <a:schemeClr val="accent1">
+                    <a:lumMod val="75000"/>
+                  </a:schemeClr>
+                </a:solidFill>
+              </a:endParaRPr>
+            </a:p>
+          </p:txBody>
+        </p:sp>
+      </p:grpSp>
+      <p:grpSp>
+        <p:nvGrpSpPr>
+          <p:cNvPr id="25" name="그룹 24"/>
+          <p:cNvGrpSpPr/>
+          <p:nvPr/>
+        </p:nvGrpSpPr>
+        <p:grpSpPr>
+          <a:xfrm>
+            <a:off x="4380115" y="301449"/>
+            <a:ext cx="3497459" cy="6188998"/>
+            <a:chOff x="4673302" y="323467"/>
+            <a:chExt cx="3497459" cy="6188998"/>
+          </a:xfrm>
+        </p:grpSpPr>
+        <p:grpSp>
+          <p:nvGrpSpPr>
+            <p:cNvPr id="21" name="그룹 20"/>
+            <p:cNvGrpSpPr/>
+            <p:nvPr/>
+          </p:nvGrpSpPr>
+          <p:grpSpPr>
+            <a:xfrm>
+              <a:off x="4673302" y="753905"/>
+              <a:ext cx="3497459" cy="5758560"/>
+              <a:chOff x="5975131" y="544041"/>
+              <a:chExt cx="3497459" cy="5758560"/>
+            </a:xfrm>
+          </p:grpSpPr>
+          <p:sp>
+            <p:nvSpPr>
+              <p:cNvPr id="8" name="텍스트 상자 7"/>
+              <p:cNvSpPr txBox="1"/>
+              <p:nvPr/>
+            </p:nvSpPr>
+            <p:spPr>
+              <a:xfrm>
+                <a:off x="7669564" y="1749530"/>
+                <a:ext cx="467436" cy="369332"/>
+              </a:xfrm>
+              <a:prstGeom prst="rect">
+                <a:avLst/>
+              </a:prstGeom>
+              <a:noFill/>
+            </p:spPr>
+            <p:txBody>
+              <a:bodyPr wrap="none" rtlCol="0">
+                <a:spAutoFit/>
+              </a:bodyPr>
+              <a:lstStyle/>
+              <a:p>
+                <a:r>
+                  <a:rPr kumimoji="1" lang="en-US" altLang="ko-KR" b="1" dirty="0" smtClean="0"/>
+                  <a:t>VS</a:t>
+                </a:r>
+                <a:endParaRPr kumimoji="1" lang="ko-KR" altLang="en-US" b="1" dirty="0"/>
+              </a:p>
+            </p:txBody>
+          </p:sp>
+          <p:sp>
+            <p:nvSpPr>
+              <p:cNvPr id="9" name="직사각형 8"/>
+              <p:cNvSpPr/>
+              <p:nvPr/>
+            </p:nvSpPr>
+            <p:spPr>
+              <a:xfrm>
+                <a:off x="6333974" y="544041"/>
+                <a:ext cx="3138616" cy="5758560"/>
+              </a:xfrm>
+              <a:prstGeom prst="rect">
+                <a:avLst/>
+              </a:prstGeom>
+              <a:noFill/>
+              <a:ln w="25400">
+                <a:prstDash val="dash"/>
+              </a:ln>
+            </p:spPr>
+            <p:style>
+              <a:lnRef idx="2">
+                <a:schemeClr val="accent1">
+                  <a:shade val="50000"/>
+                </a:schemeClr>
+              </a:lnRef>
+              <a:fillRef idx="1">
+                <a:schemeClr val="accent1"/>
+              </a:fillRef>
+              <a:effectRef idx="0">
+                <a:schemeClr val="accent1"/>
+              </a:effectRef>
+              <a:fontRef idx="minor">
+                <a:schemeClr val="lt1"/>
+              </a:fontRef>
+            </p:style>
+            <p:txBody>
+              <a:bodyPr rtlCol="0" anchor="ctr"/>
+              <a:lstStyle/>
+              <a:p>
+                <a:pPr algn="ctr"/>
+                <a:endParaRPr kumimoji="1" lang="ko-KR" altLang="en-US"/>
+              </a:p>
+            </p:txBody>
+          </p:sp>
+          <p:sp>
+            <p:nvSpPr>
+              <p:cNvPr id="10" name="모서리가 둥근 직사각형 9"/>
+              <p:cNvSpPr/>
+              <p:nvPr/>
+            </p:nvSpPr>
+            <p:spPr>
+              <a:xfrm>
+                <a:off x="6920920" y="847857"/>
+                <a:ext cx="1964724" cy="712929"/>
+              </a:xfrm>
+              <a:prstGeom prst="roundRect">
+                <a:avLst/>
+              </a:prstGeom>
+            </p:spPr>
+            <p:style>
+              <a:lnRef idx="2">
+                <a:schemeClr val="accent1">
+                  <a:shade val="50000"/>
+                </a:schemeClr>
+              </a:lnRef>
+              <a:fillRef idx="1">
+                <a:schemeClr val="accent1"/>
+              </a:fillRef>
+              <a:effectRef idx="0">
+                <a:schemeClr val="accent1"/>
+              </a:effectRef>
+              <a:fontRef idx="minor">
+                <a:schemeClr val="lt1"/>
+              </a:fontRef>
+            </p:style>
+            <p:txBody>
+              <a:bodyPr rtlCol="0" anchor="ctr"/>
+              <a:lstStyle/>
+              <a:p>
+                <a:pPr algn="ctr"/>
+                <a:r>
+                  <a:rPr kumimoji="1" lang="en-US" altLang="ko-KR" sz="1600" dirty="0" smtClean="0"/>
+                  <a:t>Single Layer Perceptron Network</a:t>
+                </a:r>
+                <a:endParaRPr kumimoji="1" lang="ko-KR" altLang="en-US" sz="1600" dirty="0"/>
+              </a:p>
+            </p:txBody>
+          </p:sp>
+          <p:sp>
+            <p:nvSpPr>
+              <p:cNvPr id="14" name="모서리가 둥근 직사각형 13"/>
+              <p:cNvSpPr/>
+              <p:nvPr/>
+            </p:nvSpPr>
+            <p:spPr>
+              <a:xfrm>
+                <a:off x="6920920" y="2307606"/>
+                <a:ext cx="1964724" cy="712929"/>
+              </a:xfrm>
+              <a:prstGeom prst="roundRect">
+                <a:avLst/>
+              </a:prstGeom>
+            </p:spPr>
+            <p:style>
+              <a:lnRef idx="2">
+                <a:schemeClr val="accent1">
+                  <a:shade val="50000"/>
+                </a:schemeClr>
+              </a:lnRef>
+              <a:fillRef idx="1">
+                <a:schemeClr val="accent1"/>
+              </a:fillRef>
+              <a:effectRef idx="0">
+                <a:schemeClr val="accent1"/>
+              </a:effectRef>
+              <a:fontRef idx="minor">
+                <a:schemeClr val="lt1"/>
+              </a:fontRef>
+            </p:style>
+            <p:txBody>
+              <a:bodyPr rtlCol="0" anchor="ctr"/>
+              <a:lstStyle/>
+              <a:p>
+                <a:pPr algn="ctr"/>
+                <a:r>
+                  <a:rPr kumimoji="1" lang="en-US" altLang="ko-KR" sz="1600" dirty="0" smtClean="0"/>
+                  <a:t>Multiple </a:t>
+                </a:r>
+                <a:r>
+                  <a:rPr kumimoji="1" lang="en-US" altLang="ko-KR" sz="1600" dirty="0"/>
+                  <a:t>Layer </a:t>
+                </a:r>
+                <a:r>
+                  <a:rPr kumimoji="1" lang="en-US" altLang="ko-KR" sz="1600" dirty="0" smtClean="0"/>
+                  <a:t>Perceptron Network</a:t>
+                </a:r>
+                <a:endParaRPr kumimoji="1" lang="ko-KR" altLang="en-US" sz="1600" dirty="0"/>
+              </a:p>
+            </p:txBody>
+          </p:sp>
+          <p:sp>
+            <p:nvSpPr>
+              <p:cNvPr id="16" name="모서리가 둥근 직사각형 15"/>
+              <p:cNvSpPr/>
+              <p:nvPr/>
+            </p:nvSpPr>
+            <p:spPr>
+              <a:xfrm>
+                <a:off x="6920920" y="5227104"/>
+                <a:ext cx="1964724" cy="712929"/>
+              </a:xfrm>
+              <a:prstGeom prst="roundRect">
+                <a:avLst/>
+              </a:prstGeom>
+            </p:spPr>
+            <p:style>
+              <a:lnRef idx="2">
+                <a:schemeClr val="accent1">
+                  <a:shade val="50000"/>
+                </a:schemeClr>
+              </a:lnRef>
+              <a:fillRef idx="1">
+                <a:schemeClr val="accent1"/>
+              </a:fillRef>
+              <a:effectRef idx="0">
+                <a:schemeClr val="accent1"/>
+              </a:effectRef>
+              <a:fontRef idx="minor">
+                <a:schemeClr val="lt1"/>
+              </a:fontRef>
+            </p:style>
+            <p:txBody>
+              <a:bodyPr rtlCol="0" anchor="ctr"/>
+              <a:lstStyle/>
+              <a:p>
+                <a:pPr algn="ctr"/>
+                <a:r>
+                  <a:rPr kumimoji="1" lang="en-US" altLang="ko-KR" dirty="0" smtClean="0"/>
+                  <a:t>Hierarchical ELM</a:t>
+                </a:r>
+                <a:endParaRPr kumimoji="1" lang="ko-KR" altLang="en-US" dirty="0"/>
+              </a:p>
+            </p:txBody>
+          </p:sp>
+          <p:sp>
+            <p:nvSpPr>
+              <p:cNvPr id="17" name="텍스트 상자 16"/>
+              <p:cNvSpPr txBox="1"/>
+              <p:nvPr/>
+            </p:nvSpPr>
+            <p:spPr>
+              <a:xfrm>
+                <a:off x="7669564" y="3209279"/>
+                <a:ext cx="467436" cy="369332"/>
+              </a:xfrm>
+              <a:prstGeom prst="rect">
+                <a:avLst/>
+              </a:prstGeom>
+              <a:noFill/>
+            </p:spPr>
+            <p:txBody>
+              <a:bodyPr wrap="none" rtlCol="0">
+                <a:spAutoFit/>
+              </a:bodyPr>
+              <a:lstStyle/>
+              <a:p>
+                <a:r>
+                  <a:rPr kumimoji="1" lang="en-US" altLang="ko-KR" b="1" dirty="0" smtClean="0"/>
+                  <a:t>VS</a:t>
+                </a:r>
+                <a:endParaRPr kumimoji="1" lang="ko-KR" altLang="en-US" b="1" dirty="0"/>
+              </a:p>
+            </p:txBody>
+          </p:sp>
+          <p:sp>
+            <p:nvSpPr>
+              <p:cNvPr id="18" name="텍스트 상자 17"/>
+              <p:cNvSpPr txBox="1"/>
+              <p:nvPr/>
+            </p:nvSpPr>
+            <p:spPr>
+              <a:xfrm>
+                <a:off x="7669564" y="4675311"/>
+                <a:ext cx="467436" cy="369332"/>
+              </a:xfrm>
+              <a:prstGeom prst="rect">
+                <a:avLst/>
+              </a:prstGeom>
+              <a:noFill/>
+            </p:spPr>
+            <p:txBody>
+              <a:bodyPr wrap="none" rtlCol="0">
+                <a:spAutoFit/>
+              </a:bodyPr>
+              <a:lstStyle/>
+              <a:p>
+                <a:r>
+                  <a:rPr kumimoji="1" lang="en-US" altLang="ko-KR" b="1" dirty="0" smtClean="0"/>
+                  <a:t>VS</a:t>
+                </a:r>
+                <a:endParaRPr kumimoji="1" lang="ko-KR" altLang="en-US" b="1" dirty="0"/>
+              </a:p>
+            </p:txBody>
+          </p:sp>
+          <p:sp>
+            <p:nvSpPr>
+              <p:cNvPr id="20" name="텍스트 상자 19"/>
+              <p:cNvSpPr txBox="1"/>
+              <p:nvPr/>
+            </p:nvSpPr>
+            <p:spPr>
+              <a:xfrm>
+                <a:off x="5975131" y="1481959"/>
+                <a:ext cx="184731" cy="369332"/>
+              </a:xfrm>
+              <a:prstGeom prst="rect">
+                <a:avLst/>
+              </a:prstGeom>
+              <a:noFill/>
+            </p:spPr>
+            <p:txBody>
+              <a:bodyPr wrap="none" rtlCol="0">
+                <a:spAutoFit/>
+              </a:bodyPr>
+              <a:lstStyle/>
+              <a:p>
+                <a:endParaRPr kumimoji="1" lang="ko-KR" altLang="en-US" dirty="0"/>
+              </a:p>
+            </p:txBody>
+          </p:sp>
+        </p:grpSp>
+        <p:sp>
+          <p:nvSpPr>
+            <p:cNvPr id="24" name="텍스트 상자 23"/>
+            <p:cNvSpPr txBox="1"/>
+            <p:nvPr/>
+          </p:nvSpPr>
+          <p:spPr>
+            <a:xfrm>
+              <a:off x="5181748" y="323467"/>
+              <a:ext cx="2839409" cy="369332"/>
+            </a:xfrm>
+            <a:prstGeom prst="rect">
+              <a:avLst/>
+            </a:prstGeom>
+            <a:noFill/>
+          </p:spPr>
+          <p:txBody>
+            <a:bodyPr wrap="square" rtlCol="0">
+              <a:spAutoFit/>
+            </a:bodyPr>
+            <a:lstStyle/>
+            <a:p>
+              <a:pPr algn="ctr"/>
+              <a:r>
+                <a:rPr kumimoji="1" lang="en-US" altLang="ko-KR" b="1" dirty="0" smtClean="0">
+                  <a:solidFill>
+                    <a:schemeClr val="accent1">
+                      <a:lumMod val="75000"/>
+                    </a:schemeClr>
+                  </a:solidFill>
+                </a:rPr>
+                <a:t>LEARNING ALGORITHM</a:t>
+              </a:r>
+              <a:endParaRPr kumimoji="1" lang="ko-KR" altLang="en-US" b="1" dirty="0">
+                <a:solidFill>
+                  <a:schemeClr val="accent1">
+                    <a:lumMod val="75000"/>
+                  </a:schemeClr>
+                </a:solidFill>
+              </a:endParaRPr>
+            </a:p>
+          </p:txBody>
+        </p:sp>
+      </p:grpSp>
+      <p:grpSp>
+        <p:nvGrpSpPr>
+          <p:cNvPr id="33" name="그룹 32"/>
+          <p:cNvGrpSpPr/>
+          <p:nvPr/>
+        </p:nvGrpSpPr>
+        <p:grpSpPr>
+          <a:xfrm>
+            <a:off x="8213445" y="1674305"/>
+            <a:ext cx="1657161" cy="3652658"/>
+            <a:chOff x="8384582" y="1748632"/>
+            <a:chExt cx="1657161" cy="3652658"/>
+          </a:xfrm>
+        </p:grpSpPr>
+        <p:sp>
+          <p:nvSpPr>
+            <p:cNvPr id="31" name="위쪽/아래쪽 화살표[U] 30"/>
+            <p:cNvSpPr/>
+            <p:nvPr/>
+          </p:nvSpPr>
+          <p:spPr>
+            <a:xfrm>
+              <a:off x="8448534" y="1748632"/>
+              <a:ext cx="1529255" cy="3652658"/>
+            </a:xfrm>
+            <a:prstGeom prst="upDownArrow">
+              <a:avLst/>
+            </a:prstGeom>
+            <a:noFill/>
+          </p:spPr>
+          <p:style>
+            <a:lnRef idx="2">
+              <a:schemeClr val="accent1">
+                <a:shade val="50000"/>
+              </a:schemeClr>
+            </a:lnRef>
+            <a:fillRef idx="1">
+              <a:schemeClr val="accent1"/>
+            </a:fillRef>
+            <a:effectRef idx="0">
+              <a:schemeClr val="accent1"/>
+            </a:effectRef>
+            <a:fontRef idx="minor">
+              <a:schemeClr val="lt1"/>
+            </a:fontRef>
+          </p:style>
+          <p:txBody>
+            <a:bodyPr rtlCol="0" anchor="ctr"/>
+            <a:lstStyle/>
+            <a:p>
+              <a:pPr algn="ctr"/>
+              <a:endParaRPr kumimoji="1" lang="ko-KR" altLang="en-US"/>
+            </a:p>
+          </p:txBody>
+        </p:sp>
+        <p:sp>
+          <p:nvSpPr>
+            <p:cNvPr id="32" name="직사각형 31"/>
+            <p:cNvSpPr/>
+            <p:nvPr/>
+          </p:nvSpPr>
+          <p:spPr>
+            <a:xfrm>
+              <a:off x="8384582" y="3081459"/>
+              <a:ext cx="1657161" cy="828420"/>
+            </a:xfrm>
+            <a:prstGeom prst="rect">
+              <a:avLst/>
+            </a:prstGeom>
+            <a:solidFill>
+              <a:schemeClr val="bg1"/>
+            </a:solidFill>
+          </p:spPr>
+          <p:style>
+            <a:lnRef idx="2">
+              <a:schemeClr val="accent1">
+                <a:shade val="50000"/>
+              </a:schemeClr>
+            </a:lnRef>
+            <a:fillRef idx="1">
+              <a:schemeClr val="accent1"/>
+            </a:fillRef>
+            <a:effectRef idx="0">
+              <a:schemeClr val="accent1"/>
+            </a:effectRef>
+            <a:fontRef idx="minor">
+              <a:schemeClr val="lt1"/>
+            </a:fontRef>
+          </p:style>
+          <p:txBody>
+            <a:bodyPr rtlCol="0" anchor="ctr"/>
+            <a:lstStyle/>
+            <a:p>
+              <a:pPr algn="ctr"/>
+              <a:r>
+                <a:rPr kumimoji="1" lang="en-US" altLang="ko-KR" b="1" dirty="0" smtClean="0">
+                  <a:solidFill>
+                    <a:schemeClr val="accent1">
+                      <a:lumMod val="75000"/>
+                    </a:schemeClr>
+                  </a:solidFill>
+                </a:rPr>
+                <a:t>Performance Compare</a:t>
+              </a:r>
+              <a:endParaRPr kumimoji="1" lang="ko-KR" altLang="en-US" b="1" dirty="0">
+                <a:solidFill>
+                  <a:schemeClr val="accent1">
+                    <a:lumMod val="75000"/>
+                  </a:schemeClr>
+                </a:solidFill>
+              </a:endParaRPr>
+            </a:p>
+          </p:txBody>
+        </p:sp>
+      </p:grpSp>
+      <p:sp>
+        <p:nvSpPr>
+          <p:cNvPr id="27" name="모서리가 둥근 직사각형 26"/>
+          <p:cNvSpPr/>
+          <p:nvPr/>
+        </p:nvSpPr>
+        <p:spPr>
+          <a:xfrm>
+            <a:off x="5298335" y="3967767"/>
+            <a:ext cx="1964724" cy="712929"/>
+          </a:xfrm>
+          <a:prstGeom prst="roundRect">
+            <a:avLst/>
+          </a:prstGeom>
+        </p:spPr>
+        <p:style>
+          <a:lnRef idx="2">
+            <a:schemeClr val="accent1">
+              <a:shade val="50000"/>
+            </a:schemeClr>
+          </a:lnRef>
+          <a:fillRef idx="1">
+            <a:schemeClr val="accent1"/>
+          </a:fillRef>
+          <a:effectRef idx="0">
+            <a:schemeClr val="accent1"/>
+          </a:effectRef>
+          <a:fontRef idx="minor">
+            <a:schemeClr val="lt1"/>
+          </a:fontRef>
+        </p:style>
+        <p:txBody>
+          <a:bodyPr rtlCol="0" anchor="ctr"/>
+          <a:lstStyle/>
+          <a:p>
+            <a:pPr algn="ctr"/>
+            <a:r>
+              <a:rPr kumimoji="1" lang="en-US" altLang="ko-KR" dirty="0" smtClean="0"/>
+              <a:t>Single</a:t>
+            </a:r>
+            <a:br>
+              <a:rPr kumimoji="1" lang="en-US" altLang="ko-KR" dirty="0" smtClean="0"/>
+            </a:br>
+            <a:r>
+              <a:rPr kumimoji="1" lang="en-US" altLang="ko-KR" dirty="0" smtClean="0"/>
+              <a:t>ELM</a:t>
+            </a:r>
+            <a:endParaRPr kumimoji="1" lang="ko-KR" altLang="en-US" dirty="0"/>
+          </a:p>
+        </p:txBody>
+      </p:sp>
+    </p:spTree>
+    <p:extLst>
+      <p:ext uri="{BB962C8B-B14F-4D97-AF65-F5344CB8AC3E}">
+        <p14:creationId xmlns:p14="http://schemas.microsoft.com/office/powerpoint/2010/main" val="688134430"/>
+      </p:ext>
+    </p:extLst>
+  </p:cSld>
+  <p:clrMapOvr>
+    <a:masterClrMapping/>
+  </p:clrMapOvr>
+  <p:timing>
+    <p:tnLst>
+      <p:par>
+        <p:cTn id="1" dur="indefinite" restart="never" nodeType="tmRoot"/>
+      </p:par>
+    </p:tnLst>
+  </p:timing>
+</p:sld>
+</file>
+
+<file path=ppt/slides/slide4.xml><?xml version="1.0" encoding="utf-8"?>
 <p:sld xmlns:a="http://schemas.openxmlformats.org/drawingml/2006/main" xmlns:r="http://schemas.openxmlformats.org/officeDocument/2006/relationships" xmlns:p="http://schemas.openxmlformats.org/presentationml/2006/main">
   <p:cSld>
     <p:spTree>

--- a/etc/pic.pptx
+++ b/etc/pic.pptx
@@ -5,13 +5,14 @@
     <p:sldMasterId id="2147483648" r:id="rId1"/>
   </p:sldMasterIdLst>
   <p:notesMasterIdLst>
-    <p:notesMasterId r:id="rId6"/>
+    <p:notesMasterId r:id="rId7"/>
   </p:notesMasterIdLst>
   <p:sldIdLst>
     <p:sldId id="256" r:id="rId2"/>
     <p:sldId id="258" r:id="rId3"/>
     <p:sldId id="259" r:id="rId4"/>
     <p:sldId id="257" r:id="rId5"/>
+    <p:sldId id="260" r:id="rId6"/>
   </p:sldIdLst>
   <p:sldSz cx="12192000" cy="6858000"/>
   <p:notesSz cx="6858000" cy="9144000"/>
@@ -200,7 +201,7 @@
           <a:p>
             <a:fld id="{FCE1B6AD-6303-444C-9C52-BC8C2CF7134E}" type="datetimeFigureOut">
               <a:rPr kumimoji="1" lang="ko-KR" altLang="en-US" smtClean="0"/>
-              <a:t>2017. 5. 14.</a:t>
+              <a:t>2017. 5. 26.</a:t>
             </a:fld>
             <a:endParaRPr kumimoji="1" lang="ko-KR" altLang="en-US"/>
           </a:p>
@@ -599,7 +600,7 @@
           <a:p>
             <a:fld id="{1C635CAC-6453-3E48-9AD4-4AF16892EDFD}" type="datetimeFigureOut">
               <a:rPr kumimoji="1" lang="ko-KR" altLang="en-US" smtClean="0"/>
-              <a:t>2017. 5. 14.</a:t>
+              <a:t>2017. 5. 26.</a:t>
             </a:fld>
             <a:endParaRPr kumimoji="1" lang="ko-KR" altLang="en-US"/>
           </a:p>
@@ -769,7 +770,7 @@
           <a:p>
             <a:fld id="{1C635CAC-6453-3E48-9AD4-4AF16892EDFD}" type="datetimeFigureOut">
               <a:rPr kumimoji="1" lang="ko-KR" altLang="en-US" smtClean="0"/>
-              <a:t>2017. 5. 14.</a:t>
+              <a:t>2017. 5. 26.</a:t>
             </a:fld>
             <a:endParaRPr kumimoji="1" lang="ko-KR" altLang="en-US"/>
           </a:p>
@@ -949,7 +950,7 @@
           <a:p>
             <a:fld id="{1C635CAC-6453-3E48-9AD4-4AF16892EDFD}" type="datetimeFigureOut">
               <a:rPr kumimoji="1" lang="ko-KR" altLang="en-US" smtClean="0"/>
-              <a:t>2017. 5. 14.</a:t>
+              <a:t>2017. 5. 26.</a:t>
             </a:fld>
             <a:endParaRPr kumimoji="1" lang="ko-KR" altLang="en-US"/>
           </a:p>
@@ -1119,7 +1120,7 @@
           <a:p>
             <a:fld id="{1C635CAC-6453-3E48-9AD4-4AF16892EDFD}" type="datetimeFigureOut">
               <a:rPr kumimoji="1" lang="ko-KR" altLang="en-US" smtClean="0"/>
-              <a:t>2017. 5. 14.</a:t>
+              <a:t>2017. 5. 26.</a:t>
             </a:fld>
             <a:endParaRPr kumimoji="1" lang="ko-KR" altLang="en-US"/>
           </a:p>
@@ -1365,7 +1366,7 @@
           <a:p>
             <a:fld id="{1C635CAC-6453-3E48-9AD4-4AF16892EDFD}" type="datetimeFigureOut">
               <a:rPr kumimoji="1" lang="ko-KR" altLang="en-US" smtClean="0"/>
-              <a:t>2017. 5. 14.</a:t>
+              <a:t>2017. 5. 26.</a:t>
             </a:fld>
             <a:endParaRPr kumimoji="1" lang="ko-KR" altLang="en-US"/>
           </a:p>
@@ -1597,7 +1598,7 @@
           <a:p>
             <a:fld id="{1C635CAC-6453-3E48-9AD4-4AF16892EDFD}" type="datetimeFigureOut">
               <a:rPr kumimoji="1" lang="ko-KR" altLang="en-US" smtClean="0"/>
-              <a:t>2017. 5. 14.</a:t>
+              <a:t>2017. 5. 26.</a:t>
             </a:fld>
             <a:endParaRPr kumimoji="1" lang="ko-KR" altLang="en-US"/>
           </a:p>
@@ -1964,7 +1965,7 @@
           <a:p>
             <a:fld id="{1C635CAC-6453-3E48-9AD4-4AF16892EDFD}" type="datetimeFigureOut">
               <a:rPr kumimoji="1" lang="ko-KR" altLang="en-US" smtClean="0"/>
-              <a:t>2017. 5. 14.</a:t>
+              <a:t>2017. 5. 26.</a:t>
             </a:fld>
             <a:endParaRPr kumimoji="1" lang="ko-KR" altLang="en-US"/>
           </a:p>
@@ -2082,7 +2083,7 @@
           <a:p>
             <a:fld id="{1C635CAC-6453-3E48-9AD4-4AF16892EDFD}" type="datetimeFigureOut">
               <a:rPr kumimoji="1" lang="ko-KR" altLang="en-US" smtClean="0"/>
-              <a:t>2017. 5. 14.</a:t>
+              <a:t>2017. 5. 26.</a:t>
             </a:fld>
             <a:endParaRPr kumimoji="1" lang="ko-KR" altLang="en-US"/>
           </a:p>
@@ -2177,7 +2178,7 @@
           <a:p>
             <a:fld id="{1C635CAC-6453-3E48-9AD4-4AF16892EDFD}" type="datetimeFigureOut">
               <a:rPr kumimoji="1" lang="ko-KR" altLang="en-US" smtClean="0"/>
-              <a:t>2017. 5. 14.</a:t>
+              <a:t>2017. 5. 26.</a:t>
             </a:fld>
             <a:endParaRPr kumimoji="1" lang="ko-KR" altLang="en-US"/>
           </a:p>
@@ -2454,7 +2455,7 @@
           <a:p>
             <a:fld id="{1C635CAC-6453-3E48-9AD4-4AF16892EDFD}" type="datetimeFigureOut">
               <a:rPr kumimoji="1" lang="ko-KR" altLang="en-US" smtClean="0"/>
-              <a:t>2017. 5. 14.</a:t>
+              <a:t>2017. 5. 26.</a:t>
             </a:fld>
             <a:endParaRPr kumimoji="1" lang="ko-KR" altLang="en-US"/>
           </a:p>
@@ -2707,7 +2708,7 @@
           <a:p>
             <a:fld id="{1C635CAC-6453-3E48-9AD4-4AF16892EDFD}" type="datetimeFigureOut">
               <a:rPr kumimoji="1" lang="ko-KR" altLang="en-US" smtClean="0"/>
-              <a:t>2017. 5. 14.</a:t>
+              <a:t>2017. 5. 26.</a:t>
             </a:fld>
             <a:endParaRPr kumimoji="1" lang="ko-KR" altLang="en-US"/>
           </a:p>
@@ -2920,7 +2921,7 @@
           <a:p>
             <a:fld id="{1C635CAC-6453-3E48-9AD4-4AF16892EDFD}" type="datetimeFigureOut">
               <a:rPr kumimoji="1" lang="ko-KR" altLang="en-US" smtClean="0"/>
-              <a:t>2017. 5. 14.</a:t>
+              <a:t>2017. 5. 26.</a:t>
             </a:fld>
             <a:endParaRPr kumimoji="1" lang="ko-KR" altLang="en-US"/>
           </a:p>
@@ -6590,6 +6591,877 @@
 </p:sld>
 </file>
 
+<file path=ppt/slides/slide5.xml><?xml version="1.0" encoding="utf-8"?>
+<p:sld xmlns:a="http://schemas.openxmlformats.org/drawingml/2006/main" xmlns:r="http://schemas.openxmlformats.org/officeDocument/2006/relationships" xmlns:p="http://schemas.openxmlformats.org/presentationml/2006/main">
+  <p:cSld>
+    <p:spTree>
+      <p:nvGrpSpPr>
+        <p:cNvPr id="1" name=""/>
+        <p:cNvGrpSpPr/>
+        <p:nvPr/>
+      </p:nvGrpSpPr>
+      <p:grpSpPr>
+        <a:xfrm>
+          <a:off x="0" y="0"/>
+          <a:ext cx="0" cy="0"/>
+          <a:chOff x="0" y="0"/>
+          <a:chExt cx="0" cy="0"/>
+        </a:xfrm>
+      </p:grpSpPr>
+      <p:sp>
+        <p:nvSpPr>
+          <p:cNvPr id="22" name="오른쪽 화살표[R] 21"/>
+          <p:cNvSpPr/>
+          <p:nvPr/>
+        </p:nvSpPr>
+        <p:spPr>
+          <a:xfrm>
+            <a:off x="4127820" y="3090010"/>
+            <a:ext cx="496071" cy="1080513"/>
+          </a:xfrm>
+          <a:prstGeom prst="rightArrow">
+            <a:avLst/>
+          </a:prstGeom>
+        </p:spPr>
+        <p:style>
+          <a:lnRef idx="2">
+            <a:schemeClr val="accent1">
+              <a:shade val="50000"/>
+            </a:schemeClr>
+          </a:lnRef>
+          <a:fillRef idx="1">
+            <a:schemeClr val="accent1"/>
+          </a:fillRef>
+          <a:effectRef idx="0">
+            <a:schemeClr val="accent1"/>
+          </a:effectRef>
+          <a:fontRef idx="minor">
+            <a:schemeClr val="lt1"/>
+          </a:fontRef>
+        </p:style>
+        <p:txBody>
+          <a:bodyPr rtlCol="0" anchor="ctr"/>
+          <a:lstStyle/>
+          <a:p>
+            <a:pPr algn="ctr"/>
+            <a:endParaRPr kumimoji="1" lang="ko-KR" altLang="en-US"/>
+          </a:p>
+        </p:txBody>
+      </p:sp>
+      <p:grpSp>
+        <p:nvGrpSpPr>
+          <p:cNvPr id="25" name="그룹 24"/>
+          <p:cNvGrpSpPr/>
+          <p:nvPr/>
+        </p:nvGrpSpPr>
+        <p:grpSpPr>
+          <a:xfrm>
+            <a:off x="4380115" y="1303159"/>
+            <a:ext cx="3497459" cy="3923945"/>
+            <a:chOff x="4673302" y="1325177"/>
+            <a:chExt cx="3497459" cy="3923945"/>
+          </a:xfrm>
+        </p:grpSpPr>
+        <p:grpSp>
+          <p:nvGrpSpPr>
+            <p:cNvPr id="21" name="그룹 20"/>
+            <p:cNvGrpSpPr/>
+            <p:nvPr/>
+          </p:nvGrpSpPr>
+          <p:grpSpPr>
+            <a:xfrm>
+              <a:off x="4673302" y="1691823"/>
+              <a:ext cx="3497459" cy="3557299"/>
+              <a:chOff x="5975131" y="1481959"/>
+              <a:chExt cx="3497459" cy="3557299"/>
+            </a:xfrm>
+          </p:grpSpPr>
+          <p:sp>
+            <p:nvSpPr>
+              <p:cNvPr id="9" name="직사각형 8"/>
+              <p:cNvSpPr/>
+              <p:nvPr/>
+            </p:nvSpPr>
+            <p:spPr>
+              <a:xfrm>
+                <a:off x="6333974" y="1851291"/>
+                <a:ext cx="3138616" cy="3187967"/>
+              </a:xfrm>
+              <a:prstGeom prst="rect">
+                <a:avLst/>
+              </a:prstGeom>
+              <a:noFill/>
+              <a:ln w="25400">
+                <a:prstDash val="dash"/>
+              </a:ln>
+            </p:spPr>
+            <p:style>
+              <a:lnRef idx="2">
+                <a:schemeClr val="accent1">
+                  <a:shade val="50000"/>
+                </a:schemeClr>
+              </a:lnRef>
+              <a:fillRef idx="1">
+                <a:schemeClr val="accent1"/>
+              </a:fillRef>
+              <a:effectRef idx="0">
+                <a:schemeClr val="accent1"/>
+              </a:effectRef>
+              <a:fontRef idx="minor">
+                <a:schemeClr val="lt1"/>
+              </a:fontRef>
+            </p:style>
+            <p:txBody>
+              <a:bodyPr rtlCol="0" anchor="ctr"/>
+              <a:lstStyle/>
+              <a:p>
+                <a:pPr algn="ctr"/>
+                <a:endParaRPr kumimoji="1" lang="ko-KR" altLang="en-US"/>
+              </a:p>
+            </p:txBody>
+          </p:sp>
+          <p:sp>
+            <p:nvSpPr>
+              <p:cNvPr id="15" name="모서리가 둥근 직사각형 14"/>
+              <p:cNvSpPr/>
+              <p:nvPr/>
+            </p:nvSpPr>
+            <p:spPr>
+              <a:xfrm>
+                <a:off x="6893351" y="2349799"/>
+                <a:ext cx="1964724" cy="712929"/>
+              </a:xfrm>
+              <a:prstGeom prst="roundRect">
+                <a:avLst/>
+              </a:prstGeom>
+            </p:spPr>
+            <p:style>
+              <a:lnRef idx="2">
+                <a:schemeClr val="accent1">
+                  <a:shade val="50000"/>
+                </a:schemeClr>
+              </a:lnRef>
+              <a:fillRef idx="1">
+                <a:schemeClr val="accent1"/>
+              </a:fillRef>
+              <a:effectRef idx="0">
+                <a:schemeClr val="accent1"/>
+              </a:effectRef>
+              <a:fontRef idx="minor">
+                <a:schemeClr val="lt1"/>
+              </a:fontRef>
+            </p:style>
+            <p:txBody>
+              <a:bodyPr rtlCol="0" anchor="ctr"/>
+              <a:lstStyle/>
+              <a:p>
+                <a:pPr algn="ctr"/>
+                <a:r>
+                  <a:rPr kumimoji="1" lang="en-US" altLang="ko-KR" dirty="0" smtClean="0"/>
+                  <a:t>Convolutional Neural Network</a:t>
+                </a:r>
+                <a:endParaRPr kumimoji="1" lang="ko-KR" altLang="en-US" dirty="0"/>
+              </a:p>
+            </p:txBody>
+          </p:sp>
+          <p:sp>
+            <p:nvSpPr>
+              <p:cNvPr id="16" name="모서리가 둥근 직사각형 15"/>
+              <p:cNvSpPr/>
+              <p:nvPr/>
+            </p:nvSpPr>
+            <p:spPr>
+              <a:xfrm>
+                <a:off x="6893351" y="3809548"/>
+                <a:ext cx="1964724" cy="712929"/>
+              </a:xfrm>
+              <a:prstGeom prst="roundRect">
+                <a:avLst/>
+              </a:prstGeom>
+            </p:spPr>
+            <p:style>
+              <a:lnRef idx="2">
+                <a:schemeClr val="accent1">
+                  <a:shade val="50000"/>
+                </a:schemeClr>
+              </a:lnRef>
+              <a:fillRef idx="1">
+                <a:schemeClr val="accent1"/>
+              </a:fillRef>
+              <a:effectRef idx="0">
+                <a:schemeClr val="accent1"/>
+              </a:effectRef>
+              <a:fontRef idx="minor">
+                <a:schemeClr val="lt1"/>
+              </a:fontRef>
+            </p:style>
+            <p:txBody>
+              <a:bodyPr rtlCol="0" anchor="ctr"/>
+              <a:lstStyle/>
+              <a:p>
+                <a:pPr algn="ctr"/>
+                <a:r>
+                  <a:rPr kumimoji="1" lang="en-US" altLang="ko-KR" dirty="0" smtClean="0"/>
+                  <a:t>Recurrent Neural </a:t>
+                </a:r>
+                <a:r>
+                  <a:rPr kumimoji="1" lang="en-US" altLang="ko-KR" dirty="0"/>
+                  <a:t>Network</a:t>
+                </a:r>
+                <a:endParaRPr kumimoji="1" lang="ko-KR" altLang="en-US" dirty="0"/>
+              </a:p>
+            </p:txBody>
+          </p:sp>
+          <p:sp>
+            <p:nvSpPr>
+              <p:cNvPr id="18" name="텍스트 상자 17"/>
+              <p:cNvSpPr txBox="1"/>
+              <p:nvPr/>
+            </p:nvSpPr>
+            <p:spPr>
+              <a:xfrm>
+                <a:off x="7641995" y="3257755"/>
+                <a:ext cx="467436" cy="369332"/>
+              </a:xfrm>
+              <a:prstGeom prst="rect">
+                <a:avLst/>
+              </a:prstGeom>
+              <a:noFill/>
+            </p:spPr>
+            <p:txBody>
+              <a:bodyPr wrap="none" rtlCol="0">
+                <a:spAutoFit/>
+              </a:bodyPr>
+              <a:lstStyle/>
+              <a:p>
+                <a:r>
+                  <a:rPr kumimoji="1" lang="en-US" altLang="ko-KR" b="1" dirty="0" smtClean="0"/>
+                  <a:t>VS</a:t>
+                </a:r>
+                <a:endParaRPr kumimoji="1" lang="ko-KR" altLang="en-US" b="1" dirty="0"/>
+              </a:p>
+            </p:txBody>
+          </p:sp>
+          <p:sp>
+            <p:nvSpPr>
+              <p:cNvPr id="20" name="텍스트 상자 19"/>
+              <p:cNvSpPr txBox="1"/>
+              <p:nvPr/>
+            </p:nvSpPr>
+            <p:spPr>
+              <a:xfrm>
+                <a:off x="5975131" y="1481959"/>
+                <a:ext cx="184731" cy="369332"/>
+              </a:xfrm>
+              <a:prstGeom prst="rect">
+                <a:avLst/>
+              </a:prstGeom>
+              <a:noFill/>
+            </p:spPr>
+            <p:txBody>
+              <a:bodyPr wrap="none" rtlCol="0">
+                <a:spAutoFit/>
+              </a:bodyPr>
+              <a:lstStyle/>
+              <a:p>
+                <a:endParaRPr kumimoji="1" lang="ko-KR" altLang="en-US" dirty="0"/>
+              </a:p>
+            </p:txBody>
+          </p:sp>
+        </p:grpSp>
+        <p:sp>
+          <p:nvSpPr>
+            <p:cNvPr id="24" name="텍스트 상자 23"/>
+            <p:cNvSpPr txBox="1"/>
+            <p:nvPr/>
+          </p:nvSpPr>
+          <p:spPr>
+            <a:xfrm>
+              <a:off x="5730656" y="1325177"/>
+              <a:ext cx="1686455" cy="646331"/>
+            </a:xfrm>
+            <a:prstGeom prst="rect">
+              <a:avLst/>
+            </a:prstGeom>
+            <a:noFill/>
+          </p:spPr>
+          <p:txBody>
+            <a:bodyPr wrap="square" rtlCol="0">
+              <a:spAutoFit/>
+            </a:bodyPr>
+            <a:lstStyle/>
+            <a:p>
+              <a:pPr algn="ctr"/>
+              <a:r>
+                <a:rPr kumimoji="1" lang="en-US" altLang="ko-KR" b="1" dirty="0" smtClean="0">
+                  <a:solidFill>
+                    <a:schemeClr val="accent1">
+                      <a:lumMod val="75000"/>
+                    </a:schemeClr>
+                  </a:solidFill>
+                </a:rPr>
+                <a:t>LEARNING ALGORITHM</a:t>
+              </a:r>
+              <a:endParaRPr kumimoji="1" lang="ko-KR" altLang="en-US" b="1" dirty="0">
+                <a:solidFill>
+                  <a:schemeClr val="accent1">
+                    <a:lumMod val="75000"/>
+                  </a:schemeClr>
+                </a:solidFill>
+              </a:endParaRPr>
+            </a:p>
+          </p:txBody>
+        </p:sp>
+      </p:grpSp>
+      <p:grpSp>
+        <p:nvGrpSpPr>
+          <p:cNvPr id="33" name="그룹 32"/>
+          <p:cNvGrpSpPr/>
+          <p:nvPr/>
+        </p:nvGrpSpPr>
+        <p:grpSpPr>
+          <a:xfrm>
+            <a:off x="8213445" y="1674305"/>
+            <a:ext cx="1657161" cy="3652658"/>
+            <a:chOff x="8384582" y="1748632"/>
+            <a:chExt cx="1657161" cy="3652658"/>
+          </a:xfrm>
+        </p:grpSpPr>
+        <p:sp>
+          <p:nvSpPr>
+            <p:cNvPr id="31" name="위쪽/아래쪽 화살표[U] 30"/>
+            <p:cNvSpPr/>
+            <p:nvPr/>
+          </p:nvSpPr>
+          <p:spPr>
+            <a:xfrm>
+              <a:off x="8448534" y="1748632"/>
+              <a:ext cx="1529255" cy="3652658"/>
+            </a:xfrm>
+            <a:prstGeom prst="upDownArrow">
+              <a:avLst/>
+            </a:prstGeom>
+            <a:noFill/>
+          </p:spPr>
+          <p:style>
+            <a:lnRef idx="2">
+              <a:schemeClr val="accent1">
+                <a:shade val="50000"/>
+              </a:schemeClr>
+            </a:lnRef>
+            <a:fillRef idx="1">
+              <a:schemeClr val="accent1"/>
+            </a:fillRef>
+            <a:effectRef idx="0">
+              <a:schemeClr val="accent1"/>
+            </a:effectRef>
+            <a:fontRef idx="minor">
+              <a:schemeClr val="lt1"/>
+            </a:fontRef>
+          </p:style>
+          <p:txBody>
+            <a:bodyPr rtlCol="0" anchor="ctr"/>
+            <a:lstStyle/>
+            <a:p>
+              <a:pPr algn="ctr"/>
+              <a:endParaRPr kumimoji="1" lang="ko-KR" altLang="en-US"/>
+            </a:p>
+          </p:txBody>
+        </p:sp>
+        <p:sp>
+          <p:nvSpPr>
+            <p:cNvPr id="32" name="직사각형 31"/>
+            <p:cNvSpPr/>
+            <p:nvPr/>
+          </p:nvSpPr>
+          <p:spPr>
+            <a:xfrm>
+              <a:off x="8384582" y="3081459"/>
+              <a:ext cx="1657161" cy="828420"/>
+            </a:xfrm>
+            <a:prstGeom prst="rect">
+              <a:avLst/>
+            </a:prstGeom>
+            <a:solidFill>
+              <a:schemeClr val="bg1"/>
+            </a:solidFill>
+          </p:spPr>
+          <p:style>
+            <a:lnRef idx="2">
+              <a:schemeClr val="accent1">
+                <a:shade val="50000"/>
+              </a:schemeClr>
+            </a:lnRef>
+            <a:fillRef idx="1">
+              <a:schemeClr val="accent1"/>
+            </a:fillRef>
+            <a:effectRef idx="0">
+              <a:schemeClr val="accent1"/>
+            </a:effectRef>
+            <a:fontRef idx="minor">
+              <a:schemeClr val="lt1"/>
+            </a:fontRef>
+          </p:style>
+          <p:txBody>
+            <a:bodyPr rtlCol="0" anchor="ctr"/>
+            <a:lstStyle/>
+            <a:p>
+              <a:pPr algn="ctr"/>
+              <a:r>
+                <a:rPr kumimoji="1" lang="en-US" altLang="ko-KR" b="1" dirty="0" smtClean="0">
+                  <a:solidFill>
+                    <a:schemeClr val="accent1">
+                      <a:lumMod val="75000"/>
+                    </a:schemeClr>
+                  </a:solidFill>
+                </a:rPr>
+                <a:t>Performance Compare</a:t>
+              </a:r>
+              <a:endParaRPr kumimoji="1" lang="ko-KR" altLang="en-US" b="1" dirty="0">
+                <a:solidFill>
+                  <a:schemeClr val="accent1">
+                    <a:lumMod val="75000"/>
+                  </a:schemeClr>
+                </a:solidFill>
+              </a:endParaRPr>
+            </a:p>
+          </p:txBody>
+        </p:sp>
+      </p:grpSp>
+      <p:grpSp>
+        <p:nvGrpSpPr>
+          <p:cNvPr id="2" name="그룹 1"/>
+          <p:cNvGrpSpPr/>
+          <p:nvPr/>
+        </p:nvGrpSpPr>
+        <p:grpSpPr>
+          <a:xfrm>
+            <a:off x="796560" y="246856"/>
+            <a:ext cx="3138616" cy="6348972"/>
+            <a:chOff x="435890" y="195263"/>
+            <a:chExt cx="3138616" cy="6348972"/>
+          </a:xfrm>
+        </p:grpSpPr>
+        <p:grpSp>
+          <p:nvGrpSpPr>
+            <p:cNvPr id="26" name="그룹 25"/>
+            <p:cNvGrpSpPr/>
+            <p:nvPr/>
+          </p:nvGrpSpPr>
+          <p:grpSpPr>
+            <a:xfrm>
+              <a:off x="435890" y="195263"/>
+              <a:ext cx="3138616" cy="6348972"/>
+              <a:chOff x="435890" y="195263"/>
+              <a:chExt cx="3138616" cy="6348972"/>
+            </a:xfrm>
+          </p:grpSpPr>
+          <p:grpSp>
+            <p:nvGrpSpPr>
+              <p:cNvPr id="19" name="그룹 18"/>
+              <p:cNvGrpSpPr/>
+              <p:nvPr/>
+            </p:nvGrpSpPr>
+            <p:grpSpPr>
+              <a:xfrm>
+                <a:off x="435890" y="699247"/>
+                <a:ext cx="3138616" cy="5844988"/>
+                <a:chOff x="989540" y="-116993"/>
+                <a:chExt cx="3138616" cy="5844988"/>
+              </a:xfrm>
+            </p:grpSpPr>
+            <p:sp>
+              <p:nvSpPr>
+                <p:cNvPr id="5" name="모서리가 둥근 직사각형 4"/>
+                <p:cNvSpPr/>
+                <p:nvPr/>
+              </p:nvSpPr>
+              <p:spPr>
+                <a:xfrm>
+                  <a:off x="1636531" y="198775"/>
+                  <a:ext cx="1844631" cy="847221"/>
+                </a:xfrm>
+                <a:prstGeom prst="roundRect">
+                  <a:avLst/>
+                </a:prstGeom>
+              </p:spPr>
+              <p:style>
+                <a:lnRef idx="2">
+                  <a:schemeClr val="accent1">
+                    <a:shade val="50000"/>
+                  </a:schemeClr>
+                </a:lnRef>
+                <a:fillRef idx="1">
+                  <a:schemeClr val="accent1"/>
+                </a:fillRef>
+                <a:effectRef idx="0">
+                  <a:schemeClr val="accent1"/>
+                </a:effectRef>
+                <a:fontRef idx="minor">
+                  <a:schemeClr val="lt1"/>
+                </a:fontRef>
+              </p:style>
+              <p:txBody>
+                <a:bodyPr rtlCol="0" anchor="ctr"/>
+                <a:lstStyle/>
+                <a:p>
+                  <a:pPr algn="ctr"/>
+                  <a:r>
+                    <a:rPr kumimoji="1" lang="en-US" altLang="ko-KR" smtClean="0"/>
+                    <a:t>Pre-processed </a:t>
+                  </a:r>
+                  <a:r>
+                    <a:rPr kumimoji="1" lang="en-US" altLang="ko-KR" smtClean="0"/>
+                    <a:t>case 00</a:t>
+                  </a:r>
+                  <a:endParaRPr kumimoji="1" lang="ko-KR" altLang="en-US" dirty="0"/>
+                </a:p>
+              </p:txBody>
+            </p:sp>
+            <p:sp>
+              <p:nvSpPr>
+                <p:cNvPr id="6" name="직사각형 5"/>
+                <p:cNvSpPr/>
+                <p:nvPr/>
+              </p:nvSpPr>
+              <p:spPr>
+                <a:xfrm>
+                  <a:off x="989540" y="-116993"/>
+                  <a:ext cx="3138616" cy="5844988"/>
+                </a:xfrm>
+                <a:prstGeom prst="rect">
+                  <a:avLst/>
+                </a:prstGeom>
+                <a:noFill/>
+                <a:ln w="25400">
+                  <a:prstDash val="dash"/>
+                </a:ln>
+              </p:spPr>
+              <p:style>
+                <a:lnRef idx="2">
+                  <a:schemeClr val="accent1">
+                    <a:shade val="50000"/>
+                  </a:schemeClr>
+                </a:lnRef>
+                <a:fillRef idx="1">
+                  <a:schemeClr val="accent1"/>
+                </a:fillRef>
+                <a:effectRef idx="0">
+                  <a:schemeClr val="accent1"/>
+                </a:effectRef>
+                <a:fontRef idx="minor">
+                  <a:schemeClr val="lt1"/>
+                </a:fontRef>
+              </p:style>
+              <p:txBody>
+                <a:bodyPr rtlCol="0" anchor="ctr"/>
+                <a:lstStyle/>
+                <a:p>
+                  <a:pPr algn="ctr"/>
+                  <a:endParaRPr kumimoji="1" lang="ko-KR" altLang="en-US"/>
+                </a:p>
+              </p:txBody>
+            </p:sp>
+            <p:sp>
+              <p:nvSpPr>
+                <p:cNvPr id="7" name="텍스트 상자 6"/>
+                <p:cNvSpPr txBox="1"/>
+                <p:nvPr/>
+              </p:nvSpPr>
+              <p:spPr>
+                <a:xfrm>
+                  <a:off x="2352025" y="1188054"/>
+                  <a:ext cx="467436" cy="369332"/>
+                </a:xfrm>
+                <a:prstGeom prst="rect">
+                  <a:avLst/>
+                </a:prstGeom>
+                <a:noFill/>
+              </p:spPr>
+              <p:txBody>
+                <a:bodyPr wrap="none" rtlCol="0">
+                  <a:spAutoFit/>
+                </a:bodyPr>
+                <a:lstStyle/>
+                <a:p>
+                  <a:r>
+                    <a:rPr kumimoji="1" lang="en-US" altLang="ko-KR" b="1" dirty="0" smtClean="0"/>
+                    <a:t>VS</a:t>
+                  </a:r>
+                  <a:endParaRPr kumimoji="1" lang="ko-KR" altLang="en-US" b="1" dirty="0"/>
+                </a:p>
+              </p:txBody>
+            </p:sp>
+          </p:grpSp>
+          <p:sp>
+            <p:nvSpPr>
+              <p:cNvPr id="23" name="텍스트 상자 22"/>
+              <p:cNvSpPr txBox="1"/>
+              <p:nvPr/>
+            </p:nvSpPr>
+            <p:spPr>
+              <a:xfrm>
+                <a:off x="495263" y="195263"/>
+                <a:ext cx="3019869" cy="369332"/>
+              </a:xfrm>
+              <a:prstGeom prst="rect">
+                <a:avLst/>
+              </a:prstGeom>
+              <a:noFill/>
+            </p:spPr>
+            <p:txBody>
+              <a:bodyPr wrap="square" rtlCol="0">
+                <a:spAutoFit/>
+              </a:bodyPr>
+              <a:lstStyle/>
+              <a:p>
+                <a:pPr algn="ctr"/>
+                <a:r>
+                  <a:rPr kumimoji="1" lang="en-US" altLang="ko-KR" b="1" dirty="0" smtClean="0">
+                    <a:solidFill>
+                      <a:schemeClr val="accent1">
+                        <a:lumMod val="75000"/>
+                      </a:schemeClr>
+                    </a:solidFill>
+                  </a:rPr>
+                  <a:t>POWER LOAD DATA</a:t>
+                </a:r>
+                <a:endParaRPr kumimoji="1" lang="ko-KR" altLang="en-US" b="1" dirty="0">
+                  <a:solidFill>
+                    <a:schemeClr val="accent1">
+                      <a:lumMod val="75000"/>
+                    </a:schemeClr>
+                  </a:solidFill>
+                </a:endParaRPr>
+              </a:p>
+            </p:txBody>
+          </p:sp>
+        </p:grpSp>
+        <p:sp>
+          <p:nvSpPr>
+            <p:cNvPr id="27" name="모서리가 둥근 직사각형 26"/>
+            <p:cNvSpPr/>
+            <p:nvPr/>
+          </p:nvSpPr>
+          <p:spPr>
+            <a:xfrm>
+              <a:off x="1082880" y="2470498"/>
+              <a:ext cx="1844631" cy="847221"/>
+            </a:xfrm>
+            <a:prstGeom prst="roundRect">
+              <a:avLst/>
+            </a:prstGeom>
+          </p:spPr>
+          <p:style>
+            <a:lnRef idx="2">
+              <a:schemeClr val="accent1">
+                <a:shade val="50000"/>
+              </a:schemeClr>
+            </a:lnRef>
+            <a:fillRef idx="1">
+              <a:schemeClr val="accent1"/>
+            </a:fillRef>
+            <a:effectRef idx="0">
+              <a:schemeClr val="accent1"/>
+            </a:effectRef>
+            <a:fontRef idx="minor">
+              <a:schemeClr val="lt1"/>
+            </a:fontRef>
+          </p:style>
+          <p:txBody>
+            <a:bodyPr rtlCol="0" anchor="ctr"/>
+            <a:lstStyle/>
+            <a:p>
+              <a:pPr algn="ctr"/>
+              <a:r>
+                <a:rPr kumimoji="1" lang="en-US" altLang="ko-KR" smtClean="0"/>
+                <a:t>Pre-processed </a:t>
+              </a:r>
+              <a:r>
+                <a:rPr kumimoji="1" lang="en-US" altLang="ko-KR" smtClean="0"/>
+                <a:t>case 00</a:t>
+              </a:r>
+              <a:endParaRPr kumimoji="1" lang="ko-KR" altLang="en-US" dirty="0"/>
+            </a:p>
+          </p:txBody>
+        </p:sp>
+        <p:sp>
+          <p:nvSpPr>
+            <p:cNvPr id="28" name="모서리가 둥근 직사각형 27"/>
+            <p:cNvSpPr/>
+            <p:nvPr/>
+          </p:nvSpPr>
+          <p:spPr>
+            <a:xfrm>
+              <a:off x="1082879" y="3925981"/>
+              <a:ext cx="1844631" cy="847221"/>
+            </a:xfrm>
+            <a:prstGeom prst="roundRect">
+              <a:avLst/>
+            </a:prstGeom>
+          </p:spPr>
+          <p:style>
+            <a:lnRef idx="2">
+              <a:schemeClr val="accent1">
+                <a:shade val="50000"/>
+              </a:schemeClr>
+            </a:lnRef>
+            <a:fillRef idx="1">
+              <a:schemeClr val="accent1"/>
+            </a:fillRef>
+            <a:effectRef idx="0">
+              <a:schemeClr val="accent1"/>
+            </a:effectRef>
+            <a:fontRef idx="minor">
+              <a:schemeClr val="lt1"/>
+            </a:fontRef>
+          </p:style>
+          <p:txBody>
+            <a:bodyPr rtlCol="0" anchor="ctr"/>
+            <a:lstStyle/>
+            <a:p>
+              <a:pPr algn="ctr"/>
+              <a:r>
+                <a:rPr kumimoji="1" lang="en-US" altLang="ko-KR" smtClean="0"/>
+                <a:t>Pre-processed </a:t>
+              </a:r>
+              <a:r>
+                <a:rPr kumimoji="1" lang="en-US" altLang="ko-KR" smtClean="0"/>
+                <a:t>case 02</a:t>
+              </a:r>
+              <a:endParaRPr kumimoji="1" lang="ko-KR" altLang="en-US" dirty="0"/>
+            </a:p>
+          </p:txBody>
+        </p:sp>
+        <p:sp>
+          <p:nvSpPr>
+            <p:cNvPr id="29" name="모서리가 둥근 직사각형 28"/>
+            <p:cNvSpPr/>
+            <p:nvPr/>
+          </p:nvSpPr>
+          <p:spPr>
+            <a:xfrm>
+              <a:off x="1088472" y="5381464"/>
+              <a:ext cx="1844631" cy="847221"/>
+            </a:xfrm>
+            <a:prstGeom prst="roundRect">
+              <a:avLst/>
+            </a:prstGeom>
+          </p:spPr>
+          <p:style>
+            <a:lnRef idx="2">
+              <a:schemeClr val="accent1">
+                <a:shade val="50000"/>
+              </a:schemeClr>
+            </a:lnRef>
+            <a:fillRef idx="1">
+              <a:schemeClr val="accent1"/>
+            </a:fillRef>
+            <a:effectRef idx="0">
+              <a:schemeClr val="accent1"/>
+            </a:effectRef>
+            <a:fontRef idx="minor">
+              <a:schemeClr val="lt1"/>
+            </a:fontRef>
+          </p:style>
+          <p:txBody>
+            <a:bodyPr rtlCol="0" anchor="ctr"/>
+            <a:lstStyle/>
+            <a:p>
+              <a:pPr algn="ctr"/>
+              <a:r>
+                <a:rPr kumimoji="1" lang="en-US" altLang="ko-KR" dirty="0" smtClean="0"/>
+                <a:t>Pre-processed </a:t>
+              </a:r>
+              <a:r>
+                <a:rPr kumimoji="1" lang="en-US" altLang="ko-KR" dirty="0" smtClean="0"/>
+                <a:t>case 03</a:t>
+              </a:r>
+              <a:endParaRPr kumimoji="1" lang="ko-KR" altLang="en-US" dirty="0"/>
+            </a:p>
+          </p:txBody>
+        </p:sp>
+        <p:sp>
+          <p:nvSpPr>
+            <p:cNvPr id="30" name="텍스트 상자 29"/>
+            <p:cNvSpPr txBox="1"/>
+            <p:nvPr/>
+          </p:nvSpPr>
+          <p:spPr>
+            <a:xfrm>
+              <a:off x="1798375" y="3464518"/>
+              <a:ext cx="467436" cy="369332"/>
+            </a:xfrm>
+            <a:prstGeom prst="rect">
+              <a:avLst/>
+            </a:prstGeom>
+            <a:noFill/>
+          </p:spPr>
+          <p:txBody>
+            <a:bodyPr wrap="none" rtlCol="0">
+              <a:spAutoFit/>
+            </a:bodyPr>
+            <a:lstStyle/>
+            <a:p>
+              <a:r>
+                <a:rPr kumimoji="1" lang="en-US" altLang="ko-KR" b="1" dirty="0" smtClean="0"/>
+                <a:t>VS</a:t>
+              </a:r>
+              <a:endParaRPr kumimoji="1" lang="ko-KR" altLang="en-US" b="1" dirty="0"/>
+            </a:p>
+          </p:txBody>
+        </p:sp>
+        <p:sp>
+          <p:nvSpPr>
+            <p:cNvPr id="34" name="텍스트 상자 33"/>
+            <p:cNvSpPr txBox="1"/>
+            <p:nvPr/>
+          </p:nvSpPr>
+          <p:spPr>
+            <a:xfrm>
+              <a:off x="1798375" y="4861211"/>
+              <a:ext cx="467436" cy="369332"/>
+            </a:xfrm>
+            <a:prstGeom prst="rect">
+              <a:avLst/>
+            </a:prstGeom>
+            <a:noFill/>
+          </p:spPr>
+          <p:txBody>
+            <a:bodyPr wrap="none" rtlCol="0">
+              <a:spAutoFit/>
+            </a:bodyPr>
+            <a:lstStyle/>
+            <a:p>
+              <a:r>
+                <a:rPr kumimoji="1" lang="en-US" altLang="ko-KR" b="1" dirty="0" smtClean="0"/>
+                <a:t>VS</a:t>
+              </a:r>
+              <a:endParaRPr kumimoji="1" lang="ko-KR" altLang="en-US" b="1" dirty="0"/>
+            </a:p>
+          </p:txBody>
+        </p:sp>
+      </p:grpSp>
+    </p:spTree>
+    <p:extLst>
+      <p:ext uri="{BB962C8B-B14F-4D97-AF65-F5344CB8AC3E}">
+        <p14:creationId xmlns:p14="http://schemas.microsoft.com/office/powerpoint/2010/main" val="2066069316"/>
+      </p:ext>
+    </p:extLst>
+  </p:cSld>
+  <p:clrMapOvr>
+    <a:masterClrMapping/>
+  </p:clrMapOvr>
+  <p:timing>
+    <p:tnLst>
+      <p:par>
+        <p:cTn id="1" dur="indefinite" restart="never" nodeType="tmRoot"/>
+      </p:par>
+    </p:tnLst>
+  </p:timing>
+</p:sld>
+</file>
+
 <file path=ppt/theme/theme1.xml><?xml version="1.0" encoding="utf-8"?>
 <a:theme xmlns:a="http://schemas.openxmlformats.org/drawingml/2006/main" name="Office 테마">
   <a:themeElements>

--- a/etc/pic.pptx
+++ b/etc/pic.pptx
@@ -6758,7 +6758,7 @@
                 <a:pPr algn="ctr"/>
                 <a:r>
                   <a:rPr kumimoji="1" lang="en-US" altLang="ko-KR" dirty="0" smtClean="0"/>
-                  <a:t>Convolutional Neural Network</a:t>
+                  <a:t>Single ELM</a:t>
                 </a:r>
                 <a:endParaRPr kumimoji="1" lang="ko-KR" altLang="en-US" dirty="0"/>
               </a:p>
@@ -6802,11 +6802,7 @@
                 <a:pPr algn="ctr"/>
                 <a:r>
                   <a:rPr kumimoji="1" lang="en-US" altLang="ko-KR" dirty="0" smtClean="0"/>
-                  <a:t>Recurrent Neural </a:t>
-                </a:r>
-                <a:r>
-                  <a:rPr kumimoji="1" lang="en-US" altLang="ko-KR" dirty="0"/>
-                  <a:t>Network</a:t>
+                  <a:t>H-ELM</a:t>
                 </a:r>
                 <a:endParaRPr kumimoji="1" lang="ko-KR" altLang="en-US" dirty="0"/>
               </a:p>
@@ -7108,11 +7104,7 @@
                   <a:pPr algn="ctr"/>
                   <a:r>
                     <a:rPr kumimoji="1" lang="en-US" altLang="ko-KR" smtClean="0"/>
-                    <a:t>Pre-processed </a:t>
-                  </a:r>
-                  <a:r>
-                    <a:rPr kumimoji="1" lang="en-US" altLang="ko-KR" smtClean="0"/>
-                    <a:t>case 00</a:t>
+                    <a:t>Pre-processed case 00</a:t>
                   </a:r>
                   <a:endParaRPr kumimoji="1" lang="ko-KR" altLang="en-US" dirty="0"/>
                 </a:p>
@@ -7275,11 +7267,7 @@
               <a:pPr algn="ctr"/>
               <a:r>
                 <a:rPr kumimoji="1" lang="en-US" altLang="ko-KR" smtClean="0"/>
-                <a:t>Pre-processed </a:t>
-              </a:r>
-              <a:r>
-                <a:rPr kumimoji="1" lang="en-US" altLang="ko-KR" smtClean="0"/>
-                <a:t>case 00</a:t>
+                <a:t>Pre-processed case 00</a:t>
               </a:r>
               <a:endParaRPr kumimoji="1" lang="ko-KR" altLang="en-US" dirty="0"/>
             </a:p>
@@ -7323,11 +7311,7 @@
               <a:pPr algn="ctr"/>
               <a:r>
                 <a:rPr kumimoji="1" lang="en-US" altLang="ko-KR" smtClean="0"/>
-                <a:t>Pre-processed </a:t>
-              </a:r>
-              <a:r>
-                <a:rPr kumimoji="1" lang="en-US" altLang="ko-KR" smtClean="0"/>
-                <a:t>case 02</a:t>
+                <a:t>Pre-processed case 02</a:t>
               </a:r>
               <a:endParaRPr kumimoji="1" lang="ko-KR" altLang="en-US" dirty="0"/>
             </a:p>
@@ -7371,11 +7355,7 @@
               <a:pPr algn="ctr"/>
               <a:r>
                 <a:rPr kumimoji="1" lang="en-US" altLang="ko-KR" dirty="0" smtClean="0"/>
-                <a:t>Pre-processed </a:t>
-              </a:r>
-              <a:r>
-                <a:rPr kumimoji="1" lang="en-US" altLang="ko-KR" dirty="0" smtClean="0"/>
-                <a:t>case 03</a:t>
+                <a:t>Pre-processed case 03</a:t>
               </a:r>
               <a:endParaRPr kumimoji="1" lang="ko-KR" altLang="en-US" dirty="0"/>
             </a:p>
